--- a/docs/第4回繰り返し処理.pptx
+++ b/docs/第4回繰り返し処理.pptx
@@ -11,7 +11,9 @@
     <p:sldId id="270" r:id="rId5"/>
     <p:sldId id="279" r:id="rId6"/>
     <p:sldId id="272" r:id="rId7"/>
-    <p:sldId id="269" r:id="rId8"/>
+    <p:sldId id="280" r:id="rId8"/>
+    <p:sldId id="269" r:id="rId9"/>
+    <p:sldId id="281" r:id="rId10"/>
   </p:sldIdLst>
   <p:sldSz cx="12192000" cy="6858000"/>
   <p:notesSz cx="6858000" cy="9144000"/>
@@ -249,7 +251,7 @@
           <a:p>
             <a:fld id="{BC217E9B-DFCD-4DFE-B7ED-A5F6001EB7CB}" type="datetimeFigureOut">
               <a:rPr kumimoji="1" lang="ja-JP" altLang="en-US" smtClean="0"/>
-              <a:t>2019/4/1</a:t>
+              <a:t>2019/4/5</a:t>
             </a:fld>
             <a:endParaRPr kumimoji="1" lang="ja-JP" altLang="en-US"/>
           </a:p>
@@ -451,7 +453,7 @@
           <a:p>
             <a:fld id="{BC217E9B-DFCD-4DFE-B7ED-A5F6001EB7CB}" type="datetimeFigureOut">
               <a:rPr kumimoji="1" lang="ja-JP" altLang="en-US" smtClean="0"/>
-              <a:t>2019/4/1</a:t>
+              <a:t>2019/4/5</a:t>
             </a:fld>
             <a:endParaRPr kumimoji="1" lang="ja-JP" altLang="en-US"/>
           </a:p>
@@ -663,7 +665,7 @@
           <a:p>
             <a:fld id="{BC217E9B-DFCD-4DFE-B7ED-A5F6001EB7CB}" type="datetimeFigureOut">
               <a:rPr kumimoji="1" lang="ja-JP" altLang="en-US" smtClean="0"/>
-              <a:t>2019/4/1</a:t>
+              <a:t>2019/4/5</a:t>
             </a:fld>
             <a:endParaRPr kumimoji="1" lang="ja-JP" altLang="en-US"/>
           </a:p>
@@ -865,7 +867,7 @@
           <a:p>
             <a:fld id="{BC217E9B-DFCD-4DFE-B7ED-A5F6001EB7CB}" type="datetimeFigureOut">
               <a:rPr kumimoji="1" lang="ja-JP" altLang="en-US" smtClean="0"/>
-              <a:t>2019/4/1</a:t>
+              <a:t>2019/4/5</a:t>
             </a:fld>
             <a:endParaRPr kumimoji="1" lang="ja-JP" altLang="en-US"/>
           </a:p>
@@ -1111,7 +1113,7 @@
           <a:p>
             <a:fld id="{BC217E9B-DFCD-4DFE-B7ED-A5F6001EB7CB}" type="datetimeFigureOut">
               <a:rPr kumimoji="1" lang="ja-JP" altLang="en-US" smtClean="0"/>
-              <a:t>2019/4/1</a:t>
+              <a:t>2019/4/5</a:t>
             </a:fld>
             <a:endParaRPr kumimoji="1" lang="ja-JP" altLang="en-US"/>
           </a:p>
@@ -1407,7 +1409,7 @@
           <a:p>
             <a:fld id="{BC217E9B-DFCD-4DFE-B7ED-A5F6001EB7CB}" type="datetimeFigureOut">
               <a:rPr kumimoji="1" lang="ja-JP" altLang="en-US" smtClean="0"/>
-              <a:t>2019/4/1</a:t>
+              <a:t>2019/4/5</a:t>
             </a:fld>
             <a:endParaRPr kumimoji="1" lang="ja-JP" altLang="en-US"/>
           </a:p>
@@ -1838,7 +1840,7 @@
           <a:p>
             <a:fld id="{BC217E9B-DFCD-4DFE-B7ED-A5F6001EB7CB}" type="datetimeFigureOut">
               <a:rPr kumimoji="1" lang="ja-JP" altLang="en-US" smtClean="0"/>
-              <a:t>2019/4/1</a:t>
+              <a:t>2019/4/5</a:t>
             </a:fld>
             <a:endParaRPr kumimoji="1" lang="ja-JP" altLang="en-US"/>
           </a:p>
@@ -1956,7 +1958,7 @@
           <a:p>
             <a:fld id="{BC217E9B-DFCD-4DFE-B7ED-A5F6001EB7CB}" type="datetimeFigureOut">
               <a:rPr kumimoji="1" lang="ja-JP" altLang="en-US" smtClean="0"/>
-              <a:t>2019/4/1</a:t>
+              <a:t>2019/4/5</a:t>
             </a:fld>
             <a:endParaRPr kumimoji="1" lang="ja-JP" altLang="en-US"/>
           </a:p>
@@ -2051,7 +2053,7 @@
           <a:p>
             <a:fld id="{BC217E9B-DFCD-4DFE-B7ED-A5F6001EB7CB}" type="datetimeFigureOut">
               <a:rPr kumimoji="1" lang="ja-JP" altLang="en-US" smtClean="0"/>
-              <a:t>2019/4/1</a:t>
+              <a:t>2019/4/5</a:t>
             </a:fld>
             <a:endParaRPr kumimoji="1" lang="ja-JP" altLang="en-US"/>
           </a:p>
@@ -2360,7 +2362,7 @@
           <a:p>
             <a:fld id="{BC217E9B-DFCD-4DFE-B7ED-A5F6001EB7CB}" type="datetimeFigureOut">
               <a:rPr kumimoji="1" lang="ja-JP" altLang="en-US" smtClean="0"/>
-              <a:t>2019/4/1</a:t>
+              <a:t>2019/4/5</a:t>
             </a:fld>
             <a:endParaRPr kumimoji="1" lang="ja-JP" altLang="en-US"/>
           </a:p>
@@ -2613,7 +2615,7 @@
           <a:p>
             <a:fld id="{BC217E9B-DFCD-4DFE-B7ED-A5F6001EB7CB}" type="datetimeFigureOut">
               <a:rPr kumimoji="1" lang="ja-JP" altLang="en-US" smtClean="0"/>
-              <a:t>2019/4/1</a:t>
+              <a:t>2019/4/5</a:t>
             </a:fld>
             <a:endParaRPr kumimoji="1" lang="ja-JP" altLang="en-US"/>
           </a:p>
@@ -2858,7 +2860,7 @@
           <a:p>
             <a:fld id="{BC217E9B-DFCD-4DFE-B7ED-A5F6001EB7CB}" type="datetimeFigureOut">
               <a:rPr kumimoji="1" lang="ja-JP" altLang="en-US" smtClean="0"/>
-              <a:t>2019/4/1</a:t>
+              <a:t>2019/4/5</a:t>
             </a:fld>
             <a:endParaRPr kumimoji="1" lang="ja-JP" altLang="en-US"/>
           </a:p>
@@ -3304,11 +3306,15 @@
             </a:r>
             <a:r>
               <a:rPr lang="en-US" altLang="ja-JP" sz="4000" dirty="0" smtClean="0"/>
-              <a:t>3</a:t>
+              <a:t>4</a:t>
             </a:r>
             <a:r>
               <a:rPr lang="ja-JP" altLang="en-US" sz="4000" dirty="0" smtClean="0"/>
-              <a:t>回授業</a:t>
+              <a:t>回</a:t>
+            </a:r>
+            <a:r>
+              <a:rPr lang="ja-JP" altLang="en-US" sz="4000" dirty="0" smtClean="0"/>
+              <a:t>授業</a:t>
             </a:r>
             <a:r>
               <a:rPr lang="en-US" altLang="ja-JP" sz="4000" dirty="0" smtClean="0"/>
@@ -3323,19 +3329,11 @@
             </a:r>
             <a:r>
               <a:rPr lang="ja-JP" altLang="en-US" sz="4000" dirty="0" smtClean="0"/>
-              <a:t>基本制御構造　</a:t>
-            </a:r>
-            <a:r>
-              <a:rPr lang="ja-JP" altLang="en-US" sz="4000" dirty="0" smtClean="0"/>
-              <a:t>繰り返し</a:t>
+              <a:t>基本制御構造　繰り返し</a:t>
             </a:r>
             <a:r>
               <a:rPr lang="en-US" altLang="ja-JP" sz="4000" dirty="0" smtClean="0"/>
               <a:t>”</a:t>
-            </a:r>
-            <a:r>
-              <a:rPr lang="en-US" altLang="ja-JP" sz="4000" dirty="0" smtClean="0"/>
-              <a:t/>
             </a:r>
             <a:br>
               <a:rPr lang="en-US" altLang="ja-JP" sz="4000" dirty="0" smtClean="0"/>
@@ -3346,11 +3344,7 @@
             </a:r>
             <a:r>
               <a:rPr lang="en-US" altLang="ja-JP" sz="4000" dirty="0" smtClean="0"/>
-              <a:t>Page </a:t>
-            </a:r>
-            <a:r>
-              <a:rPr lang="en-US" altLang="ja-JP" sz="4000" dirty="0" smtClean="0"/>
-              <a:t>24-33)</a:t>
+              <a:t>Page 24-33)</a:t>
             </a:r>
             <a:endParaRPr kumimoji="1" lang="ja-JP" altLang="en-US" sz="4000" dirty="0"/>
           </a:p>
@@ -3473,11 +3467,7 @@
             </a:r>
             <a:r>
               <a:rPr lang="ja-JP" altLang="en-US" sz="3600" dirty="0" smtClean="0"/>
-              <a:t>基本制御</a:t>
-            </a:r>
-            <a:r>
-              <a:rPr lang="ja-JP" altLang="en-US" sz="3600" dirty="0" smtClean="0"/>
-              <a:t>構造その２　繰り返し</a:t>
+              <a:t>基本制御構造その２　繰り返し</a:t>
             </a:r>
             <a:endParaRPr kumimoji="1" lang="en-US" altLang="ja-JP" sz="3600" dirty="0" smtClean="0"/>
           </a:p>
@@ -3534,11 +3524,7 @@
             </a:r>
             <a:r>
               <a:rPr lang="ja-JP" altLang="en-US" dirty="0" smtClean="0"/>
-              <a:t>基本制御構造　</a:t>
-            </a:r>
-            <a:r>
-              <a:rPr lang="ja-JP" altLang="en-US" dirty="0" smtClean="0"/>
-              <a:t>繰り返し　</a:t>
+              <a:t>基本制御構造　繰り返し　</a:t>
             </a:r>
             <a:r>
               <a:rPr lang="en-US" altLang="ja-JP" dirty="0" smtClean="0"/>
@@ -3617,11 +3603,19 @@
             </a:r>
             <a:r>
               <a:rPr lang="ja-JP" altLang="en-US" dirty="0" smtClean="0"/>
-              <a:t>未満の場合に、繰り返し</a:t>
-            </a:r>
-            <a:r>
-              <a:rPr lang="ja-JP" altLang="en-US" dirty="0" err="1" smtClean="0"/>
-              <a:t>りょりを</a:t>
+              <a:t>未満の場合に、</a:t>
+            </a:r>
+            <a:r>
+              <a:rPr lang="ja-JP" altLang="en-US" dirty="0" smtClean="0"/>
+              <a:t>繰り返し</a:t>
+            </a:r>
+            <a:r>
+              <a:rPr lang="ja-JP" altLang="en-US" dirty="0"/>
+              <a:t>処理</a:t>
+            </a:r>
+            <a:r>
+              <a:rPr lang="ja-JP" altLang="en-US" dirty="0" smtClean="0"/>
+              <a:t>を</a:t>
             </a:r>
             <a:r>
               <a:rPr lang="ja-JP" altLang="en-US" dirty="0" smtClean="0"/>
@@ -3837,15 +3831,7 @@
                   <a:srgbClr val="FF0000"/>
                 </a:solidFill>
               </a:rPr>
-              <a:t>未満</a:t>
-            </a:r>
-            <a:r>
-              <a:rPr lang="ja-JP" altLang="en-US" sz="1200" b="1" dirty="0" smtClean="0">
-                <a:solidFill>
-                  <a:srgbClr val="FF0000"/>
-                </a:solidFill>
-              </a:rPr>
-              <a:t>の場合に繰り返す）　前判定となる</a:t>
+              <a:t>未満の場合に繰り返す）　前判定となる</a:t>
             </a:r>
             <a:endParaRPr lang="en-US" altLang="ja-JP" sz="1200" b="1" dirty="0" smtClean="0">
               <a:solidFill>
@@ -3893,8 +3879,8 @@
         </p:nvSpPr>
         <p:spPr>
           <a:xfrm>
-            <a:off x="1415441" y="438411"/>
-            <a:ext cx="8626079" cy="646331"/>
+            <a:off x="851770" y="250521"/>
+            <a:ext cx="10934404" cy="646331"/>
           </a:xfrm>
           <a:prstGeom prst="rect">
             <a:avLst/>
@@ -3909,15 +3895,11 @@
           <a:p>
             <a:r>
               <a:rPr lang="ja-JP" altLang="en-US" sz="3600" dirty="0" smtClean="0"/>
-              <a:t>プログラムの宣言部と</a:t>
+              <a:t>プログラムの宣言部と処理部 変数の</a:t>
             </a:r>
             <a:r>
               <a:rPr lang="ja-JP" altLang="en-US" sz="3600" dirty="0" smtClean="0"/>
-              <a:t>処理部 </a:t>
-            </a:r>
-            <a:r>
-              <a:rPr lang="ja-JP" altLang="en-US" sz="3600" dirty="0" smtClean="0"/>
-              <a:t>変数の流れ</a:t>
+              <a:t>流れ（前判定）</a:t>
             </a:r>
             <a:endParaRPr kumimoji="1" lang="ja-JP" altLang="en-US" sz="3600" dirty="0"/>
           </a:p>
@@ -4191,7 +4173,6 @@
                         <a:rPr kumimoji="1" lang="ja-JP" altLang="en-US" dirty="0" smtClean="0"/>
                         <a:t>表示処理</a:t>
                       </a:r>
-                      <a:endParaRPr kumimoji="1" lang="ja-JP" altLang="en-US" dirty="0" smtClean="0"/>
                     </a:p>
                   </a:txBody>
                   <a:tcPr/>
@@ -5260,7 +5241,6 @@
                         <a:rPr kumimoji="1" lang="ja-JP" altLang="en-US" dirty="0" smtClean="0"/>
                         <a:t>表示処理</a:t>
                       </a:r>
-                      <a:endParaRPr kumimoji="1" lang="ja-JP" altLang="en-US" dirty="0" smtClean="0"/>
                     </a:p>
                   </a:txBody>
                   <a:tcPr/>
@@ -5601,8 +5581,8 @@
         </p:nvSpPr>
         <p:spPr>
           <a:xfrm>
-            <a:off x="3380984" y="2745071"/>
-            <a:ext cx="5236923" cy="824848"/>
+            <a:off x="838200" y="365126"/>
+            <a:ext cx="9633559" cy="987686"/>
           </a:xfrm>
         </p:spPr>
         <p:txBody>
@@ -5610,8 +5590,337 @@
           <a:lstStyle/>
           <a:p>
             <a:r>
-              <a:rPr kumimoji="1" lang="ja-JP" altLang="en-US" dirty="0" smtClean="0"/>
-              <a:t>ドリルで復習！</a:t>
+              <a:rPr lang="en-US" altLang="ja-JP" dirty="0" smtClean="0"/>
+              <a:t>For</a:t>
+            </a:r>
+            <a:r>
+              <a:rPr lang="ja-JP" altLang="en-US" dirty="0" smtClean="0"/>
+              <a:t>型ループ</a:t>
+            </a:r>
+            <a:endParaRPr kumimoji="1" lang="ja-JP" altLang="en-US" dirty="0"/>
+          </a:p>
+        </p:txBody>
+      </p:sp>
+      <p:pic>
+        <p:nvPicPr>
+          <p:cNvPr id="4" name="図 3"/>
+          <p:cNvPicPr>
+            <a:picLocks noChangeAspect="1"/>
+          </p:cNvPicPr>
+          <p:nvPr/>
+        </p:nvPicPr>
+        <p:blipFill>
+          <a:blip r:embed="rId2"/>
+          <a:stretch>
+            <a:fillRect/>
+          </a:stretch>
+        </p:blipFill>
+        <p:spPr>
+          <a:xfrm>
+            <a:off x="1994182" y="1352812"/>
+            <a:ext cx="7976535" cy="5390626"/>
+          </a:xfrm>
+          <a:prstGeom prst="rect">
+            <a:avLst/>
+          </a:prstGeom>
+        </p:spPr>
+      </p:pic>
+      <p:sp>
+        <p:nvSpPr>
+          <p:cNvPr id="5" name="テキスト ボックス 4"/>
+          <p:cNvSpPr txBox="1"/>
+          <p:nvPr/>
+        </p:nvSpPr>
+        <p:spPr>
+          <a:xfrm>
+            <a:off x="3100419" y="1841326"/>
+            <a:ext cx="877163" cy="369332"/>
+          </a:xfrm>
+          <a:prstGeom prst="rect">
+            <a:avLst/>
+          </a:prstGeom>
+          <a:noFill/>
+        </p:spPr>
+        <p:txBody>
+          <a:bodyPr wrap="none" rtlCol="0">
+            <a:spAutoFit/>
+          </a:bodyPr>
+          <a:lstStyle/>
+          <a:p>
+            <a:r>
+              <a:rPr lang="ja-JP" altLang="en-US" dirty="0">
+                <a:solidFill>
+                  <a:srgbClr val="FF0000"/>
+                </a:solidFill>
+              </a:rPr>
+              <a:t>初期値</a:t>
+            </a:r>
+            <a:endParaRPr kumimoji="1" lang="ja-JP" altLang="en-US" dirty="0">
+              <a:solidFill>
+                <a:srgbClr val="FF0000"/>
+              </a:solidFill>
+            </a:endParaRPr>
+          </a:p>
+        </p:txBody>
+      </p:sp>
+      <p:sp>
+        <p:nvSpPr>
+          <p:cNvPr id="6" name="テキスト ボックス 5"/>
+          <p:cNvSpPr txBox="1"/>
+          <p:nvPr/>
+        </p:nvSpPr>
+        <p:spPr>
+          <a:xfrm>
+            <a:off x="4043818" y="1841326"/>
+            <a:ext cx="1107996" cy="369332"/>
+          </a:xfrm>
+          <a:prstGeom prst="rect">
+            <a:avLst/>
+          </a:prstGeom>
+          <a:noFill/>
+        </p:spPr>
+        <p:txBody>
+          <a:bodyPr wrap="none" rtlCol="0">
+            <a:spAutoFit/>
+          </a:bodyPr>
+          <a:lstStyle/>
+          <a:p>
+            <a:r>
+              <a:rPr lang="ja-JP" altLang="en-US" dirty="0" smtClean="0">
+                <a:solidFill>
+                  <a:srgbClr val="FF0000"/>
+                </a:solidFill>
+              </a:rPr>
+              <a:t>継続</a:t>
+            </a:r>
+            <a:r>
+              <a:rPr lang="ja-JP" altLang="en-US" dirty="0">
+                <a:solidFill>
+                  <a:srgbClr val="FF0000"/>
+                </a:solidFill>
+              </a:rPr>
+              <a:t>条件</a:t>
+            </a:r>
+            <a:endParaRPr kumimoji="1" lang="ja-JP" altLang="en-US" dirty="0">
+              <a:solidFill>
+                <a:srgbClr val="FF0000"/>
+              </a:solidFill>
+            </a:endParaRPr>
+          </a:p>
+        </p:txBody>
+      </p:sp>
+      <p:sp>
+        <p:nvSpPr>
+          <p:cNvPr id="7" name="テキスト ボックス 6"/>
+          <p:cNvSpPr txBox="1"/>
+          <p:nvPr/>
+        </p:nvSpPr>
+        <p:spPr>
+          <a:xfrm>
+            <a:off x="5699338" y="1868466"/>
+            <a:ext cx="646331" cy="369332"/>
+          </a:xfrm>
+          <a:prstGeom prst="rect">
+            <a:avLst/>
+          </a:prstGeom>
+          <a:noFill/>
+        </p:spPr>
+        <p:txBody>
+          <a:bodyPr wrap="none" rtlCol="0">
+            <a:spAutoFit/>
+          </a:bodyPr>
+          <a:lstStyle/>
+          <a:p>
+            <a:r>
+              <a:rPr lang="ja-JP" altLang="en-US" dirty="0">
+                <a:solidFill>
+                  <a:srgbClr val="FF0000"/>
+                </a:solidFill>
+              </a:rPr>
+              <a:t>増分</a:t>
+            </a:r>
+            <a:endParaRPr kumimoji="1" lang="ja-JP" altLang="en-US" dirty="0">
+              <a:solidFill>
+                <a:srgbClr val="FF0000"/>
+              </a:solidFill>
+            </a:endParaRPr>
+          </a:p>
+        </p:txBody>
+      </p:sp>
+      <p:sp>
+        <p:nvSpPr>
+          <p:cNvPr id="8" name="テキスト ボックス 7"/>
+          <p:cNvSpPr txBox="1"/>
+          <p:nvPr/>
+        </p:nvSpPr>
+        <p:spPr>
+          <a:xfrm>
+            <a:off x="5053007" y="2356980"/>
+            <a:ext cx="1569660" cy="369332"/>
+          </a:xfrm>
+          <a:prstGeom prst="rect">
+            <a:avLst/>
+          </a:prstGeom>
+          <a:noFill/>
+        </p:spPr>
+        <p:txBody>
+          <a:bodyPr wrap="none" rtlCol="0">
+            <a:spAutoFit/>
+          </a:bodyPr>
+          <a:lstStyle/>
+          <a:p>
+            <a:r>
+              <a:rPr kumimoji="1" lang="ja-JP" altLang="en-US" dirty="0" smtClean="0">
+                <a:solidFill>
+                  <a:srgbClr val="FF0000"/>
+                </a:solidFill>
+              </a:rPr>
+              <a:t>処理について</a:t>
+            </a:r>
+            <a:endParaRPr kumimoji="1" lang="ja-JP" altLang="en-US" dirty="0">
+              <a:solidFill>
+                <a:srgbClr val="FF0000"/>
+              </a:solidFill>
+            </a:endParaRPr>
+          </a:p>
+        </p:txBody>
+      </p:sp>
+      <p:sp>
+        <p:nvSpPr>
+          <p:cNvPr id="9" name="テキスト ボックス 8"/>
+          <p:cNvSpPr txBox="1"/>
+          <p:nvPr/>
+        </p:nvSpPr>
+        <p:spPr>
+          <a:xfrm>
+            <a:off x="2417523" y="5035463"/>
+            <a:ext cx="9696885" cy="523220"/>
+          </a:xfrm>
+          <a:prstGeom prst="rect">
+            <a:avLst/>
+          </a:prstGeom>
+          <a:noFill/>
+        </p:spPr>
+        <p:txBody>
+          <a:bodyPr wrap="none" rtlCol="0">
+            <a:spAutoFit/>
+          </a:bodyPr>
+          <a:lstStyle/>
+          <a:p>
+            <a:r>
+              <a:rPr lang="ja-JP" altLang="en-US" sz="2800" b="1" dirty="0" smtClean="0">
+                <a:solidFill>
+                  <a:srgbClr val="FF0000"/>
+                </a:solidFill>
+              </a:rPr>
+              <a:t>★継続条件　</a:t>
+            </a:r>
+            <a:r>
+              <a:rPr lang="en-US" altLang="ja-JP" sz="2800" b="1" dirty="0" err="1" smtClean="0">
+                <a:solidFill>
+                  <a:srgbClr val="FF0000"/>
+                </a:solidFill>
+              </a:rPr>
+              <a:t>LoopCount</a:t>
+            </a:r>
+            <a:r>
+              <a:rPr lang="ja-JP" altLang="en-US" sz="2800" b="1" dirty="0" smtClean="0">
+                <a:solidFill>
+                  <a:srgbClr val="FF0000"/>
+                </a:solidFill>
+              </a:rPr>
+              <a:t>が</a:t>
+            </a:r>
+            <a:r>
+              <a:rPr lang="en-US" altLang="ja-JP" sz="2800" b="1" dirty="0" smtClean="0">
+                <a:solidFill>
+                  <a:srgbClr val="FF0000"/>
+                </a:solidFill>
+              </a:rPr>
+              <a:t>10</a:t>
+            </a:r>
+            <a:r>
+              <a:rPr lang="ja-JP" altLang="en-US" sz="2800" b="1" dirty="0" smtClean="0">
+                <a:solidFill>
+                  <a:srgbClr val="FF0000"/>
+                </a:solidFill>
+              </a:rPr>
+              <a:t>になったらループを抜けます</a:t>
+            </a:r>
+            <a:endParaRPr kumimoji="1" lang="ja-JP" altLang="en-US" sz="2800" b="1" dirty="0">
+              <a:solidFill>
+                <a:srgbClr val="FF0000"/>
+              </a:solidFill>
+            </a:endParaRPr>
+          </a:p>
+        </p:txBody>
+      </p:sp>
+    </p:spTree>
+    <p:extLst>
+      <p:ext uri="{BB962C8B-B14F-4D97-AF65-F5344CB8AC3E}">
+        <p14:creationId xmlns:p14="http://schemas.microsoft.com/office/powerpoint/2010/main" val="3718473304"/>
+      </p:ext>
+    </p:extLst>
+  </p:cSld>
+  <p:clrMapOvr>
+    <a:masterClrMapping/>
+  </p:clrMapOvr>
+</p:sld>
+</file>
+
+<file path=ppt/slides/slide8.xml><?xml version="1.0" encoding="utf-8"?>
+<p:sld xmlns:a="http://schemas.openxmlformats.org/drawingml/2006/main" xmlns:r="http://schemas.openxmlformats.org/officeDocument/2006/relationships" xmlns:p="http://schemas.openxmlformats.org/presentationml/2006/main">
+  <p:cSld>
+    <p:spTree>
+      <p:nvGrpSpPr>
+        <p:cNvPr id="1" name=""/>
+        <p:cNvGrpSpPr/>
+        <p:nvPr/>
+      </p:nvGrpSpPr>
+      <p:grpSpPr>
+        <a:xfrm>
+          <a:off x="0" y="0"/>
+          <a:ext cx="0" cy="0"/>
+          <a:chOff x="0" y="0"/>
+          <a:chExt cx="0" cy="0"/>
+        </a:xfrm>
+      </p:grpSpPr>
+      <p:sp>
+        <p:nvSpPr>
+          <p:cNvPr id="2" name="タイトル 1"/>
+          <p:cNvSpPr>
+            <a:spLocks noGrp="1"/>
+          </p:cNvSpPr>
+          <p:nvPr>
+            <p:ph type="title"/>
+          </p:nvPr>
+        </p:nvSpPr>
+        <p:spPr>
+          <a:xfrm>
+            <a:off x="4170125" y="2807701"/>
+            <a:ext cx="3871586" cy="824847"/>
+          </a:xfrm>
+        </p:spPr>
+        <p:txBody>
+          <a:bodyPr>
+            <a:normAutofit fontScale="90000"/>
+          </a:bodyPr>
+          <a:lstStyle/>
+          <a:p>
+            <a:r>
+              <a:rPr lang="ja-JP" altLang="en-US" dirty="0" smtClean="0"/>
+              <a:t>ここで</a:t>
+            </a:r>
+            <a:r>
+              <a:rPr lang="en-US" altLang="ja-JP" dirty="0" smtClean="0"/>
+              <a:t>Training</a:t>
+            </a:r>
+            <a:br>
+              <a:rPr lang="en-US" altLang="ja-JP" dirty="0" smtClean="0"/>
+            </a:br>
+            <a:r>
+              <a:rPr lang="ja-JP" altLang="en-US" dirty="0" smtClean="0"/>
+              <a:t>（コピー利用）</a:t>
             </a:r>
             <a:endParaRPr kumimoji="1" lang="ja-JP" altLang="en-US" dirty="0"/>
           </a:p>
@@ -5621,6 +5930,98 @@
     <p:extLst>
       <p:ext uri="{BB962C8B-B14F-4D97-AF65-F5344CB8AC3E}">
         <p14:creationId xmlns:p14="http://schemas.microsoft.com/office/powerpoint/2010/main" val="1492366342"/>
+      </p:ext>
+    </p:extLst>
+  </p:cSld>
+  <p:clrMapOvr>
+    <a:masterClrMapping/>
+  </p:clrMapOvr>
+</p:sld>
+</file>
+
+<file path=ppt/slides/slide9.xml><?xml version="1.0" encoding="utf-8"?>
+<p:sld xmlns:a="http://schemas.openxmlformats.org/drawingml/2006/main" xmlns:r="http://schemas.openxmlformats.org/officeDocument/2006/relationships" xmlns:p="http://schemas.openxmlformats.org/presentationml/2006/main">
+  <p:cSld>
+    <p:spTree>
+      <p:nvGrpSpPr>
+        <p:cNvPr id="1" name=""/>
+        <p:cNvGrpSpPr/>
+        <p:nvPr/>
+      </p:nvGrpSpPr>
+      <p:grpSpPr>
+        <a:xfrm>
+          <a:off x="0" y="0"/>
+          <a:ext cx="0" cy="0"/>
+          <a:chOff x="0" y="0"/>
+          <a:chExt cx="0" cy="0"/>
+        </a:xfrm>
+      </p:grpSpPr>
+      <p:pic>
+        <p:nvPicPr>
+          <p:cNvPr id="2" name="図 1"/>
+          <p:cNvPicPr>
+            <a:picLocks noChangeAspect="1"/>
+          </p:cNvPicPr>
+          <p:nvPr/>
+        </p:nvPicPr>
+        <p:blipFill>
+          <a:blip r:embed="rId2"/>
+          <a:stretch>
+            <a:fillRect/>
+          </a:stretch>
+        </p:blipFill>
+        <p:spPr>
+          <a:xfrm>
+            <a:off x="2105676" y="1393128"/>
+            <a:ext cx="8002827" cy="4971453"/>
+          </a:xfrm>
+          <a:prstGeom prst="rect">
+            <a:avLst/>
+          </a:prstGeom>
+        </p:spPr>
+      </p:pic>
+      <p:sp>
+        <p:nvSpPr>
+          <p:cNvPr id="3" name="テキスト ボックス 2"/>
+          <p:cNvSpPr txBox="1"/>
+          <p:nvPr/>
+        </p:nvSpPr>
+        <p:spPr>
+          <a:xfrm>
+            <a:off x="1528176" y="563672"/>
+            <a:ext cx="2815194" cy="369332"/>
+          </a:xfrm>
+          <a:prstGeom prst="rect">
+            <a:avLst/>
+          </a:prstGeom>
+          <a:noFill/>
+        </p:spPr>
+        <p:txBody>
+          <a:bodyPr wrap="none" rtlCol="0">
+            <a:spAutoFit/>
+          </a:bodyPr>
+          <a:lstStyle/>
+          <a:p>
+            <a:r>
+              <a:rPr kumimoji="1" lang="ja-JP" altLang="en-US" dirty="0" smtClean="0"/>
+              <a:t>教科書 </a:t>
+            </a:r>
+            <a:r>
+              <a:rPr kumimoji="1" lang="en-US" altLang="ja-JP" dirty="0" smtClean="0"/>
+              <a:t>29</a:t>
+            </a:r>
+            <a:r>
+              <a:rPr kumimoji="1" lang="ja-JP" altLang="en-US" dirty="0" smtClean="0"/>
+              <a:t>ページの解答例</a:t>
+            </a:r>
+            <a:endParaRPr kumimoji="1" lang="ja-JP" altLang="en-US" dirty="0"/>
+          </a:p>
+        </p:txBody>
+      </p:sp>
+    </p:spTree>
+    <p:extLst>
+      <p:ext uri="{BB962C8B-B14F-4D97-AF65-F5344CB8AC3E}">
+        <p14:creationId xmlns:p14="http://schemas.microsoft.com/office/powerpoint/2010/main" val="3738741296"/>
       </p:ext>
     </p:extLst>
   </p:cSld>

--- a/docs/第4回繰り返し処理.pptx
+++ b/docs/第4回繰り返し処理.pptx
@@ -14,6 +14,13 @@
     <p:sldId id="280" r:id="rId8"/>
     <p:sldId id="269" r:id="rId9"/>
     <p:sldId id="281" r:id="rId10"/>
+    <p:sldId id="282" r:id="rId11"/>
+    <p:sldId id="283" r:id="rId12"/>
+    <p:sldId id="284" r:id="rId13"/>
+    <p:sldId id="285" r:id="rId14"/>
+    <p:sldId id="286" r:id="rId15"/>
+    <p:sldId id="287" r:id="rId16"/>
+    <p:sldId id="288" r:id="rId17"/>
   </p:sldIdLst>
   <p:sldSz cx="12192000" cy="6858000"/>
   <p:notesSz cx="6858000" cy="9144000"/>
@@ -251,7 +258,7 @@
           <a:p>
             <a:fld id="{BC217E9B-DFCD-4DFE-B7ED-A5F6001EB7CB}" type="datetimeFigureOut">
               <a:rPr kumimoji="1" lang="ja-JP" altLang="en-US" smtClean="0"/>
-              <a:t>2019/4/5</a:t>
+              <a:t>2019/4/6</a:t>
             </a:fld>
             <a:endParaRPr kumimoji="1" lang="ja-JP" altLang="en-US"/>
           </a:p>
@@ -453,7 +460,7 @@
           <a:p>
             <a:fld id="{BC217E9B-DFCD-4DFE-B7ED-A5F6001EB7CB}" type="datetimeFigureOut">
               <a:rPr kumimoji="1" lang="ja-JP" altLang="en-US" smtClean="0"/>
-              <a:t>2019/4/5</a:t>
+              <a:t>2019/4/6</a:t>
             </a:fld>
             <a:endParaRPr kumimoji="1" lang="ja-JP" altLang="en-US"/>
           </a:p>
@@ -665,7 +672,7 @@
           <a:p>
             <a:fld id="{BC217E9B-DFCD-4DFE-B7ED-A5F6001EB7CB}" type="datetimeFigureOut">
               <a:rPr kumimoji="1" lang="ja-JP" altLang="en-US" smtClean="0"/>
-              <a:t>2019/4/5</a:t>
+              <a:t>2019/4/6</a:t>
             </a:fld>
             <a:endParaRPr kumimoji="1" lang="ja-JP" altLang="en-US"/>
           </a:p>
@@ -867,7 +874,7 @@
           <a:p>
             <a:fld id="{BC217E9B-DFCD-4DFE-B7ED-A5F6001EB7CB}" type="datetimeFigureOut">
               <a:rPr kumimoji="1" lang="ja-JP" altLang="en-US" smtClean="0"/>
-              <a:t>2019/4/5</a:t>
+              <a:t>2019/4/6</a:t>
             </a:fld>
             <a:endParaRPr kumimoji="1" lang="ja-JP" altLang="en-US"/>
           </a:p>
@@ -1113,7 +1120,7 @@
           <a:p>
             <a:fld id="{BC217E9B-DFCD-4DFE-B7ED-A5F6001EB7CB}" type="datetimeFigureOut">
               <a:rPr kumimoji="1" lang="ja-JP" altLang="en-US" smtClean="0"/>
-              <a:t>2019/4/5</a:t>
+              <a:t>2019/4/6</a:t>
             </a:fld>
             <a:endParaRPr kumimoji="1" lang="ja-JP" altLang="en-US"/>
           </a:p>
@@ -1409,7 +1416,7 @@
           <a:p>
             <a:fld id="{BC217E9B-DFCD-4DFE-B7ED-A5F6001EB7CB}" type="datetimeFigureOut">
               <a:rPr kumimoji="1" lang="ja-JP" altLang="en-US" smtClean="0"/>
-              <a:t>2019/4/5</a:t>
+              <a:t>2019/4/6</a:t>
             </a:fld>
             <a:endParaRPr kumimoji="1" lang="ja-JP" altLang="en-US"/>
           </a:p>
@@ -1840,7 +1847,7 @@
           <a:p>
             <a:fld id="{BC217E9B-DFCD-4DFE-B7ED-A5F6001EB7CB}" type="datetimeFigureOut">
               <a:rPr kumimoji="1" lang="ja-JP" altLang="en-US" smtClean="0"/>
-              <a:t>2019/4/5</a:t>
+              <a:t>2019/4/6</a:t>
             </a:fld>
             <a:endParaRPr kumimoji="1" lang="ja-JP" altLang="en-US"/>
           </a:p>
@@ -1958,7 +1965,7 @@
           <a:p>
             <a:fld id="{BC217E9B-DFCD-4DFE-B7ED-A5F6001EB7CB}" type="datetimeFigureOut">
               <a:rPr kumimoji="1" lang="ja-JP" altLang="en-US" smtClean="0"/>
-              <a:t>2019/4/5</a:t>
+              <a:t>2019/4/6</a:t>
             </a:fld>
             <a:endParaRPr kumimoji="1" lang="ja-JP" altLang="en-US"/>
           </a:p>
@@ -2053,7 +2060,7 @@
           <a:p>
             <a:fld id="{BC217E9B-DFCD-4DFE-B7ED-A5F6001EB7CB}" type="datetimeFigureOut">
               <a:rPr kumimoji="1" lang="ja-JP" altLang="en-US" smtClean="0"/>
-              <a:t>2019/4/5</a:t>
+              <a:t>2019/4/6</a:t>
             </a:fld>
             <a:endParaRPr kumimoji="1" lang="ja-JP" altLang="en-US"/>
           </a:p>
@@ -2362,7 +2369,7 @@
           <a:p>
             <a:fld id="{BC217E9B-DFCD-4DFE-B7ED-A5F6001EB7CB}" type="datetimeFigureOut">
               <a:rPr kumimoji="1" lang="ja-JP" altLang="en-US" smtClean="0"/>
-              <a:t>2019/4/5</a:t>
+              <a:t>2019/4/6</a:t>
             </a:fld>
             <a:endParaRPr kumimoji="1" lang="ja-JP" altLang="en-US"/>
           </a:p>
@@ -2615,7 +2622,7 @@
           <a:p>
             <a:fld id="{BC217E9B-DFCD-4DFE-B7ED-A5F6001EB7CB}" type="datetimeFigureOut">
               <a:rPr kumimoji="1" lang="ja-JP" altLang="en-US" smtClean="0"/>
-              <a:t>2019/4/5</a:t>
+              <a:t>2019/4/6</a:t>
             </a:fld>
             <a:endParaRPr kumimoji="1" lang="ja-JP" altLang="en-US"/>
           </a:p>
@@ -2860,7 +2867,7 @@
           <a:p>
             <a:fld id="{BC217E9B-DFCD-4DFE-B7ED-A5F6001EB7CB}" type="datetimeFigureOut">
               <a:rPr kumimoji="1" lang="ja-JP" altLang="en-US" smtClean="0"/>
-              <a:t>2019/4/5</a:t>
+              <a:t>2019/4/6</a:t>
             </a:fld>
             <a:endParaRPr kumimoji="1" lang="ja-JP" altLang="en-US"/>
           </a:p>
@@ -3310,11 +3317,7 @@
             </a:r>
             <a:r>
               <a:rPr lang="ja-JP" altLang="en-US" sz="4000" dirty="0" smtClean="0"/>
-              <a:t>回</a:t>
-            </a:r>
-            <a:r>
-              <a:rPr lang="ja-JP" altLang="en-US" sz="4000" dirty="0" smtClean="0"/>
-              <a:t>授業</a:t>
+              <a:t>回授業</a:t>
             </a:r>
             <a:r>
               <a:rPr lang="en-US" altLang="ja-JP" sz="4000" dirty="0" smtClean="0"/>
@@ -3390,6 +3393,2725 @@
     <p:extLst>
       <p:ext uri="{BB962C8B-B14F-4D97-AF65-F5344CB8AC3E}">
         <p14:creationId xmlns:p14="http://schemas.microsoft.com/office/powerpoint/2010/main" val="4183264713"/>
+      </p:ext>
+    </p:extLst>
+  </p:cSld>
+  <p:clrMapOvr>
+    <a:masterClrMapping/>
+  </p:clrMapOvr>
+</p:sld>
+</file>
+
+<file path=ppt/slides/slide10.xml><?xml version="1.0" encoding="utf-8"?>
+<p:sld xmlns:a="http://schemas.openxmlformats.org/drawingml/2006/main" xmlns:r="http://schemas.openxmlformats.org/officeDocument/2006/relationships" xmlns:p="http://schemas.openxmlformats.org/presentationml/2006/main">
+  <p:cSld>
+    <p:spTree>
+      <p:nvGrpSpPr>
+        <p:cNvPr id="1" name=""/>
+        <p:cNvGrpSpPr/>
+        <p:nvPr/>
+      </p:nvGrpSpPr>
+      <p:grpSpPr>
+        <a:xfrm>
+          <a:off x="0" y="0"/>
+          <a:ext cx="0" cy="0"/>
+          <a:chOff x="0" y="0"/>
+          <a:chExt cx="0" cy="0"/>
+        </a:xfrm>
+      </p:grpSpPr>
+      <p:sp>
+        <p:nvSpPr>
+          <p:cNvPr id="3" name="テキスト ボックス 2"/>
+          <p:cNvSpPr txBox="1"/>
+          <p:nvPr/>
+        </p:nvSpPr>
+        <p:spPr>
+          <a:xfrm>
+            <a:off x="2630467" y="289653"/>
+            <a:ext cx="6288901" cy="523220"/>
+          </a:xfrm>
+          <a:prstGeom prst="rect">
+            <a:avLst/>
+          </a:prstGeom>
+          <a:noFill/>
+        </p:spPr>
+        <p:txBody>
+          <a:bodyPr wrap="none" rtlCol="0">
+            <a:spAutoFit/>
+          </a:bodyPr>
+          <a:lstStyle/>
+          <a:p>
+            <a:r>
+              <a:rPr kumimoji="1" lang="ja-JP" altLang="en-US" sz="2800" dirty="0" smtClean="0"/>
+              <a:t>１から１０までの整数の合計を求める</a:t>
+            </a:r>
+            <a:endParaRPr kumimoji="1" lang="en-US" altLang="ja-JP" sz="2800" dirty="0" smtClean="0"/>
+          </a:p>
+        </p:txBody>
+      </p:sp>
+      <p:pic>
+        <p:nvPicPr>
+          <p:cNvPr id="4" name="図 3"/>
+          <p:cNvPicPr>
+            <a:picLocks noChangeAspect="1"/>
+          </p:cNvPicPr>
+          <p:nvPr/>
+        </p:nvPicPr>
+        <p:blipFill>
+          <a:blip r:embed="rId2"/>
+          <a:stretch>
+            <a:fillRect/>
+          </a:stretch>
+        </p:blipFill>
+        <p:spPr>
+          <a:xfrm>
+            <a:off x="501042" y="1355615"/>
+            <a:ext cx="8251847" cy="5305954"/>
+          </a:xfrm>
+          <a:prstGeom prst="rect">
+            <a:avLst/>
+          </a:prstGeom>
+        </p:spPr>
+      </p:pic>
+      <p:sp>
+        <p:nvSpPr>
+          <p:cNvPr id="5" name="テキスト ボックス 4"/>
+          <p:cNvSpPr txBox="1"/>
+          <p:nvPr/>
+        </p:nvSpPr>
+        <p:spPr>
+          <a:xfrm>
+            <a:off x="2807047" y="2964319"/>
+            <a:ext cx="9623147" cy="584775"/>
+          </a:xfrm>
+          <a:prstGeom prst="rect">
+            <a:avLst/>
+          </a:prstGeom>
+          <a:noFill/>
+        </p:spPr>
+        <p:txBody>
+          <a:bodyPr wrap="none" rtlCol="0">
+            <a:spAutoFit/>
+          </a:bodyPr>
+          <a:lstStyle/>
+          <a:p>
+            <a:r>
+              <a:rPr kumimoji="1" lang="ja-JP" altLang="en-US" sz="3200" dirty="0" smtClean="0">
+                <a:solidFill>
+                  <a:srgbClr val="FF0000"/>
+                </a:solidFill>
+              </a:rPr>
+              <a:t>←同じ命令を繰り返して記述しなければならない。</a:t>
+            </a:r>
+            <a:endParaRPr kumimoji="1" lang="ja-JP" altLang="en-US" sz="3200" dirty="0">
+              <a:solidFill>
+                <a:srgbClr val="FF0000"/>
+              </a:solidFill>
+            </a:endParaRPr>
+          </a:p>
+        </p:txBody>
+      </p:sp>
+    </p:spTree>
+    <p:extLst>
+      <p:ext uri="{BB962C8B-B14F-4D97-AF65-F5344CB8AC3E}">
+        <p14:creationId xmlns:p14="http://schemas.microsoft.com/office/powerpoint/2010/main" val="231530369"/>
+      </p:ext>
+    </p:extLst>
+  </p:cSld>
+  <p:clrMapOvr>
+    <a:masterClrMapping/>
+  </p:clrMapOvr>
+</p:sld>
+</file>
+
+<file path=ppt/slides/slide11.xml><?xml version="1.0" encoding="utf-8"?>
+<p:sld xmlns:a="http://schemas.openxmlformats.org/drawingml/2006/main" xmlns:r="http://schemas.openxmlformats.org/officeDocument/2006/relationships" xmlns:p="http://schemas.openxmlformats.org/presentationml/2006/main">
+  <p:cSld>
+    <p:spTree>
+      <p:nvGrpSpPr>
+        <p:cNvPr id="1" name=""/>
+        <p:cNvGrpSpPr/>
+        <p:nvPr/>
+      </p:nvGrpSpPr>
+      <p:grpSpPr>
+        <a:xfrm>
+          <a:off x="0" y="0"/>
+          <a:ext cx="0" cy="0"/>
+          <a:chOff x="0" y="0"/>
+          <a:chExt cx="0" cy="0"/>
+        </a:xfrm>
+      </p:grpSpPr>
+      <p:pic>
+        <p:nvPicPr>
+          <p:cNvPr id="2" name="図 1"/>
+          <p:cNvPicPr>
+            <a:picLocks noChangeAspect="1"/>
+          </p:cNvPicPr>
+          <p:nvPr/>
+        </p:nvPicPr>
+        <p:blipFill>
+          <a:blip r:embed="rId2"/>
+          <a:stretch>
+            <a:fillRect/>
+          </a:stretch>
+        </p:blipFill>
+        <p:spPr>
+          <a:xfrm>
+            <a:off x="1776804" y="1414461"/>
+            <a:ext cx="8256544" cy="5113302"/>
+          </a:xfrm>
+          <a:prstGeom prst="rect">
+            <a:avLst/>
+          </a:prstGeom>
+        </p:spPr>
+      </p:pic>
+      <p:sp>
+        <p:nvSpPr>
+          <p:cNvPr id="3" name="テキスト ボックス 2"/>
+          <p:cNvSpPr txBox="1"/>
+          <p:nvPr/>
+        </p:nvSpPr>
+        <p:spPr>
+          <a:xfrm>
+            <a:off x="914401" y="201970"/>
+            <a:ext cx="10785325" cy="954107"/>
+          </a:xfrm>
+          <a:prstGeom prst="rect">
+            <a:avLst/>
+          </a:prstGeom>
+          <a:noFill/>
+        </p:spPr>
+        <p:txBody>
+          <a:bodyPr wrap="none" rtlCol="0">
+            <a:spAutoFit/>
+          </a:bodyPr>
+          <a:lstStyle/>
+          <a:p>
+            <a:r>
+              <a:rPr kumimoji="1" lang="ja-JP" altLang="en-US" sz="2800" dirty="0" smtClean="0"/>
+              <a:t>１から１０までの整数の合計を求める</a:t>
+            </a:r>
+            <a:endParaRPr kumimoji="1" lang="en-US" altLang="ja-JP" sz="2800" dirty="0" smtClean="0"/>
+          </a:p>
+          <a:p>
+            <a:r>
+              <a:rPr lang="ja-JP" altLang="en-US" sz="2800" dirty="0" smtClean="0"/>
+              <a:t>（効率よくかけるのと、</a:t>
+            </a:r>
+            <a:r>
+              <a:rPr lang="en-US" altLang="ja-JP" sz="2800" dirty="0" err="1" smtClean="0"/>
+              <a:t>Cnt</a:t>
+            </a:r>
+            <a:r>
+              <a:rPr lang="ja-JP" altLang="en-US" sz="2800" dirty="0" smtClean="0"/>
+              <a:t>を</a:t>
+            </a:r>
+            <a:r>
+              <a:rPr lang="en-US" altLang="ja-JP" sz="2800" dirty="0" smtClean="0"/>
+              <a:t>100</a:t>
+            </a:r>
+            <a:r>
+              <a:rPr lang="ja-JP" altLang="en-US" sz="2800" dirty="0" smtClean="0"/>
+              <a:t>とか</a:t>
+            </a:r>
+            <a:r>
+              <a:rPr lang="en-US" altLang="ja-JP" sz="2800" dirty="0" smtClean="0"/>
+              <a:t>1000</a:t>
+            </a:r>
+            <a:r>
+              <a:rPr lang="ja-JP" altLang="en-US" sz="2800" dirty="0" err="1" smtClean="0"/>
+              <a:t>に簡</a:t>
+            </a:r>
+            <a:r>
+              <a:rPr lang="ja-JP" altLang="en-US" sz="2800" dirty="0" smtClean="0"/>
+              <a:t>単に変更できる）</a:t>
+            </a:r>
+            <a:endParaRPr kumimoji="1" lang="en-US" altLang="ja-JP" sz="2800" dirty="0" smtClean="0"/>
+          </a:p>
+        </p:txBody>
+      </p:sp>
+    </p:spTree>
+    <p:extLst>
+      <p:ext uri="{BB962C8B-B14F-4D97-AF65-F5344CB8AC3E}">
+        <p14:creationId xmlns:p14="http://schemas.microsoft.com/office/powerpoint/2010/main" val="3676105551"/>
+      </p:ext>
+    </p:extLst>
+  </p:cSld>
+  <p:clrMapOvr>
+    <a:masterClrMapping/>
+  </p:clrMapOvr>
+</p:sld>
+</file>
+
+<file path=ppt/slides/slide12.xml><?xml version="1.0" encoding="utf-8"?>
+<p:sld xmlns:a="http://schemas.openxmlformats.org/drawingml/2006/main" xmlns:r="http://schemas.openxmlformats.org/officeDocument/2006/relationships" xmlns:p="http://schemas.openxmlformats.org/presentationml/2006/main">
+  <p:cSld>
+    <p:spTree>
+      <p:nvGrpSpPr>
+        <p:cNvPr id="1" name=""/>
+        <p:cNvGrpSpPr/>
+        <p:nvPr/>
+      </p:nvGrpSpPr>
+      <p:grpSpPr>
+        <a:xfrm>
+          <a:off x="0" y="0"/>
+          <a:ext cx="0" cy="0"/>
+          <a:chOff x="0" y="0"/>
+          <a:chExt cx="0" cy="0"/>
+        </a:xfrm>
+      </p:grpSpPr>
+      <p:sp>
+        <p:nvSpPr>
+          <p:cNvPr id="4" name="テキスト ボックス 3"/>
+          <p:cNvSpPr txBox="1"/>
+          <p:nvPr/>
+        </p:nvSpPr>
+        <p:spPr>
+          <a:xfrm>
+            <a:off x="1561667" y="100208"/>
+            <a:ext cx="8626079" cy="646331"/>
+          </a:xfrm>
+          <a:prstGeom prst="rect">
+            <a:avLst/>
+          </a:prstGeom>
+          <a:noFill/>
+        </p:spPr>
+        <p:txBody>
+          <a:bodyPr wrap="none" rtlCol="0">
+            <a:spAutoFit/>
+          </a:bodyPr>
+          <a:lstStyle/>
+          <a:p>
+            <a:r>
+              <a:rPr lang="ja-JP" altLang="en-US" sz="3600" dirty="0" smtClean="0"/>
+              <a:t>プログラムの宣言部と処理部 変数の</a:t>
+            </a:r>
+            <a:r>
+              <a:rPr lang="ja-JP" altLang="en-US" sz="3600" dirty="0" smtClean="0"/>
+              <a:t>流れ</a:t>
+            </a:r>
+            <a:endParaRPr kumimoji="1" lang="ja-JP" altLang="en-US" sz="3600" dirty="0"/>
+          </a:p>
+        </p:txBody>
+      </p:sp>
+      <p:graphicFrame>
+        <p:nvGraphicFramePr>
+          <p:cNvPr id="5" name="表 4"/>
+          <p:cNvGraphicFramePr>
+            <a:graphicFrameLocks noGrp="1"/>
+          </p:cNvGraphicFramePr>
+          <p:nvPr>
+            <p:extLst>
+              <p:ext uri="{D42A27DB-BD31-4B8C-83A1-F6EECF244321}">
+                <p14:modId xmlns:p14="http://schemas.microsoft.com/office/powerpoint/2010/main" val="4150502363"/>
+              </p:ext>
+            </p:extLst>
+          </p:nvPr>
+        </p:nvGraphicFramePr>
+        <p:xfrm>
+          <a:off x="1177447" y="645081"/>
+          <a:ext cx="9569884" cy="6001599"/>
+        </p:xfrm>
+        <a:graphic>
+          <a:graphicData uri="http://schemas.openxmlformats.org/drawingml/2006/table">
+            <a:tbl>
+              <a:tblPr firstRow="1" bandRow="1">
+                <a:tableStyleId>{5C22544A-7EE6-4342-B048-85BDC9FD1C3A}</a:tableStyleId>
+              </a:tblPr>
+              <a:tblGrid>
+                <a:gridCol w="1375166">
+                  <a:extLst>
+                    <a:ext uri="{9D8B030D-6E8A-4147-A177-3AD203B41FA5}">
+                      <a16:colId xmlns:a16="http://schemas.microsoft.com/office/drawing/2014/main" val="845264888"/>
+                    </a:ext>
+                  </a:extLst>
+                </a:gridCol>
+                <a:gridCol w="2108323">
+                  <a:extLst>
+                    <a:ext uri="{9D8B030D-6E8A-4147-A177-3AD203B41FA5}">
+                      <a16:colId xmlns:a16="http://schemas.microsoft.com/office/drawing/2014/main" val="931872731"/>
+                    </a:ext>
+                  </a:extLst>
+                </a:gridCol>
+                <a:gridCol w="2570283">
+                  <a:extLst>
+                    <a:ext uri="{9D8B030D-6E8A-4147-A177-3AD203B41FA5}">
+                      <a16:colId xmlns:a16="http://schemas.microsoft.com/office/drawing/2014/main" val="2325679229"/>
+                    </a:ext>
+                  </a:extLst>
+                </a:gridCol>
+                <a:gridCol w="1758056">
+                  <a:extLst>
+                    <a:ext uri="{9D8B030D-6E8A-4147-A177-3AD203B41FA5}">
+                      <a16:colId xmlns:a16="http://schemas.microsoft.com/office/drawing/2014/main" val="4289651028"/>
+                    </a:ext>
+                  </a:extLst>
+                </a:gridCol>
+                <a:gridCol w="1758056">
+                  <a:extLst>
+                    <a:ext uri="{9D8B030D-6E8A-4147-A177-3AD203B41FA5}">
+                      <a16:colId xmlns:a16="http://schemas.microsoft.com/office/drawing/2014/main" val="719115202"/>
+                    </a:ext>
+                  </a:extLst>
+                </a:gridCol>
+              </a:tblGrid>
+              <a:tr h="349168">
+                <a:tc>
+                  <a:txBody>
+                    <a:bodyPr/>
+                    <a:lstStyle/>
+                    <a:p>
+                      <a:pPr algn="ctr"/>
+                      <a:endParaRPr kumimoji="1" lang="ja-JP" altLang="en-US" dirty="0"/>
+                    </a:p>
+                  </a:txBody>
+                  <a:tcPr/>
+                </a:tc>
+                <a:tc>
+                  <a:txBody>
+                    <a:bodyPr/>
+                    <a:lstStyle/>
+                    <a:p>
+                      <a:pPr algn="ctr"/>
+                      <a:r>
+                        <a:rPr kumimoji="1" lang="ja-JP" altLang="en-US" dirty="0" smtClean="0"/>
+                        <a:t>判定</a:t>
+                      </a:r>
+                      <a:endParaRPr kumimoji="1" lang="ja-JP" altLang="en-US" dirty="0"/>
+                    </a:p>
+                  </a:txBody>
+                  <a:tcPr/>
+                </a:tc>
+                <a:tc>
+                  <a:txBody>
+                    <a:bodyPr/>
+                    <a:lstStyle/>
+                    <a:p>
+                      <a:pPr algn="ctr"/>
+                      <a:r>
+                        <a:rPr kumimoji="1" lang="ja-JP" altLang="en-US" dirty="0" smtClean="0"/>
+                        <a:t>処理</a:t>
+                      </a:r>
+                      <a:endParaRPr kumimoji="1" lang="ja-JP" altLang="en-US" dirty="0"/>
+                    </a:p>
+                  </a:txBody>
+                  <a:tcPr/>
+                </a:tc>
+                <a:tc>
+                  <a:txBody>
+                    <a:bodyPr/>
+                    <a:lstStyle/>
+                    <a:p>
+                      <a:pPr algn="ctr"/>
+                      <a:r>
+                        <a:rPr kumimoji="1" lang="en-US" altLang="ja-JP" dirty="0" smtClean="0"/>
+                        <a:t>CNT</a:t>
+                      </a:r>
+                      <a:r>
+                        <a:rPr kumimoji="1" lang="ja-JP" altLang="en-US" dirty="0" smtClean="0"/>
+                        <a:t>の値</a:t>
+                      </a:r>
+                      <a:endParaRPr kumimoji="1" lang="ja-JP" altLang="en-US" dirty="0"/>
+                    </a:p>
+                  </a:txBody>
+                  <a:tcPr/>
+                </a:tc>
+                <a:tc>
+                  <a:txBody>
+                    <a:bodyPr/>
+                    <a:lstStyle/>
+                    <a:p>
+                      <a:pPr algn="ctr"/>
+                      <a:r>
+                        <a:rPr kumimoji="1" lang="en-US" altLang="ja-JP" dirty="0" smtClean="0"/>
+                        <a:t>TOTAL</a:t>
+                      </a:r>
+                      <a:r>
+                        <a:rPr kumimoji="1" lang="ja-JP" altLang="en-US" dirty="0" smtClean="0"/>
+                        <a:t>の値</a:t>
+                      </a:r>
+                      <a:endParaRPr kumimoji="1" lang="ja-JP" altLang="en-US" dirty="0"/>
+                    </a:p>
+                  </a:txBody>
+                  <a:tcPr/>
+                </a:tc>
+                <a:extLst>
+                  <a:ext uri="{0D108BD9-81ED-4DB2-BD59-A6C34878D82A}">
+                    <a16:rowId xmlns:a16="http://schemas.microsoft.com/office/drawing/2014/main" val="2450232183"/>
+                  </a:ext>
+                </a:extLst>
+              </a:tr>
+              <a:tr h="380248">
+                <a:tc>
+                  <a:txBody>
+                    <a:bodyPr/>
+                    <a:lstStyle/>
+                    <a:p>
+                      <a:pPr algn="ctr"/>
+                      <a:r>
+                        <a:rPr kumimoji="1" lang="en-US" altLang="ja-JP" dirty="0" smtClean="0"/>
+                        <a:t>1</a:t>
+                      </a:r>
+                      <a:r>
+                        <a:rPr kumimoji="1" lang="ja-JP" altLang="en-US" dirty="0" smtClean="0"/>
+                        <a:t>回目判定</a:t>
+                      </a:r>
+                      <a:endParaRPr kumimoji="1" lang="ja-JP" altLang="en-US" dirty="0"/>
+                    </a:p>
+                  </a:txBody>
+                  <a:tcPr/>
+                </a:tc>
+                <a:tc>
+                  <a:txBody>
+                    <a:bodyPr/>
+                    <a:lstStyle/>
+                    <a:p>
+                      <a:pPr algn="ctr"/>
+                      <a:r>
+                        <a:rPr kumimoji="1" lang="en-US" altLang="ja-JP" dirty="0" smtClean="0"/>
+                        <a:t>CNT=0 </a:t>
+                      </a:r>
+                      <a:r>
+                        <a:rPr kumimoji="1" lang="ja-JP" altLang="en-US" dirty="0" smtClean="0"/>
+                        <a:t>≦</a:t>
+                      </a:r>
+                      <a:r>
+                        <a:rPr kumimoji="1" lang="en-US" altLang="ja-JP" dirty="0" smtClean="0"/>
+                        <a:t>10</a:t>
+                      </a:r>
+                      <a:endParaRPr kumimoji="1" lang="ja-JP" altLang="en-US" dirty="0"/>
+                    </a:p>
+                  </a:txBody>
+                  <a:tcPr/>
+                </a:tc>
+                <a:tc>
+                  <a:txBody>
+                    <a:bodyPr/>
+                    <a:lstStyle/>
+                    <a:p>
+                      <a:pPr algn="ctr"/>
+                      <a:r>
+                        <a:rPr kumimoji="1" lang="en-US" altLang="ja-JP" dirty="0" smtClean="0"/>
+                        <a:t>Total=</a:t>
+                      </a:r>
+                      <a:r>
+                        <a:rPr kumimoji="1" lang="en-US" altLang="ja-JP" dirty="0" err="1" smtClean="0"/>
+                        <a:t>Total+Cnt</a:t>
+                      </a:r>
+                      <a:endParaRPr kumimoji="1" lang="ja-JP" altLang="en-US" dirty="0"/>
+                    </a:p>
+                  </a:txBody>
+                  <a:tcPr/>
+                </a:tc>
+                <a:tc>
+                  <a:txBody>
+                    <a:bodyPr/>
+                    <a:lstStyle/>
+                    <a:p>
+                      <a:pPr algn="ctr"/>
+                      <a:r>
+                        <a:rPr kumimoji="1" lang="en-US" altLang="ja-JP" dirty="0" smtClean="0"/>
+                        <a:t>CNT=0</a:t>
+                      </a:r>
+                      <a:endParaRPr kumimoji="1" lang="ja-JP" altLang="en-US" dirty="0"/>
+                    </a:p>
+                  </a:txBody>
+                  <a:tcPr/>
+                </a:tc>
+                <a:tc>
+                  <a:txBody>
+                    <a:bodyPr/>
+                    <a:lstStyle/>
+                    <a:p>
+                      <a:pPr algn="ctr"/>
+                      <a:r>
+                        <a:rPr kumimoji="1" lang="en-US" altLang="ja-JP" dirty="0" smtClean="0"/>
+                        <a:t>0</a:t>
+                      </a:r>
+                      <a:endParaRPr kumimoji="1" lang="ja-JP" altLang="en-US" dirty="0"/>
+                    </a:p>
+                  </a:txBody>
+                  <a:tcPr/>
+                </a:tc>
+                <a:extLst>
+                  <a:ext uri="{0D108BD9-81ED-4DB2-BD59-A6C34878D82A}">
+                    <a16:rowId xmlns:a16="http://schemas.microsoft.com/office/drawing/2014/main" val="3024256301"/>
+                  </a:ext>
+                </a:extLst>
+              </a:tr>
+              <a:tr h="380248">
+                <a:tc>
+                  <a:txBody>
+                    <a:bodyPr/>
+                    <a:lstStyle/>
+                    <a:p>
+                      <a:pPr marL="0" marR="0" lvl="0" indent="0" algn="ctr" defTabSz="914400" rtl="0" eaLnBrk="1" fontAlgn="auto" latinLnBrk="0" hangingPunct="1">
+                        <a:lnSpc>
+                          <a:spcPct val="100000"/>
+                        </a:lnSpc>
+                        <a:spcBef>
+                          <a:spcPts val="0"/>
+                        </a:spcBef>
+                        <a:spcAft>
+                          <a:spcPts val="0"/>
+                        </a:spcAft>
+                        <a:buClrTx/>
+                        <a:buSzTx/>
+                        <a:buFontTx/>
+                        <a:buNone/>
+                        <a:tabLst/>
+                        <a:defRPr/>
+                      </a:pPr>
+                      <a:r>
+                        <a:rPr kumimoji="1" lang="en-US" altLang="ja-JP" dirty="0" smtClean="0"/>
+                        <a:t>2</a:t>
+                      </a:r>
+                      <a:r>
+                        <a:rPr kumimoji="1" lang="ja-JP" altLang="en-US" dirty="0" smtClean="0"/>
+                        <a:t>回目判定</a:t>
+                      </a:r>
+                    </a:p>
+                  </a:txBody>
+                  <a:tcPr/>
+                </a:tc>
+                <a:tc>
+                  <a:txBody>
+                    <a:bodyPr/>
+                    <a:lstStyle/>
+                    <a:p>
+                      <a:pPr algn="ctr"/>
+                      <a:r>
+                        <a:rPr kumimoji="1" lang="en-US" altLang="ja-JP" dirty="0" smtClean="0"/>
+                        <a:t>1</a:t>
+                      </a:r>
+                      <a:r>
+                        <a:rPr kumimoji="1" lang="ja-JP" altLang="en-US" dirty="0" smtClean="0"/>
+                        <a:t>≦</a:t>
+                      </a:r>
+                      <a:r>
+                        <a:rPr kumimoji="1" lang="en-US" altLang="ja-JP" dirty="0" smtClean="0"/>
+                        <a:t>10</a:t>
+                      </a:r>
+                      <a:endParaRPr kumimoji="1" lang="ja-JP" altLang="en-US" dirty="0"/>
+                    </a:p>
+                  </a:txBody>
+                  <a:tcPr/>
+                </a:tc>
+                <a:tc>
+                  <a:txBody>
+                    <a:bodyPr/>
+                    <a:lstStyle/>
+                    <a:p>
+                      <a:pPr marL="0" marR="0" lvl="0" indent="0" algn="ctr" defTabSz="914400" rtl="0" eaLnBrk="1" fontAlgn="auto" latinLnBrk="0" hangingPunct="1">
+                        <a:lnSpc>
+                          <a:spcPct val="100000"/>
+                        </a:lnSpc>
+                        <a:spcBef>
+                          <a:spcPts val="0"/>
+                        </a:spcBef>
+                        <a:spcAft>
+                          <a:spcPts val="0"/>
+                        </a:spcAft>
+                        <a:buClrTx/>
+                        <a:buSzTx/>
+                        <a:buFontTx/>
+                        <a:buNone/>
+                        <a:tabLst/>
+                        <a:defRPr/>
+                      </a:pPr>
+                      <a:r>
+                        <a:rPr kumimoji="1" lang="en-US" altLang="ja-JP" dirty="0" smtClean="0"/>
+                        <a:t>Total=</a:t>
+                      </a:r>
+                      <a:r>
+                        <a:rPr kumimoji="1" lang="en-US" altLang="ja-JP" dirty="0" err="1" smtClean="0"/>
+                        <a:t>Total+Cnt</a:t>
+                      </a:r>
+                      <a:endParaRPr kumimoji="1" lang="ja-JP" altLang="en-US" dirty="0" smtClean="0"/>
+                    </a:p>
+                  </a:txBody>
+                  <a:tcPr/>
+                </a:tc>
+                <a:tc>
+                  <a:txBody>
+                    <a:bodyPr/>
+                    <a:lstStyle/>
+                    <a:p>
+                      <a:pPr marL="0" marR="0" lvl="0" indent="0" algn="ctr" defTabSz="914400" rtl="0" eaLnBrk="1" fontAlgn="auto" latinLnBrk="0" hangingPunct="1">
+                        <a:lnSpc>
+                          <a:spcPct val="100000"/>
+                        </a:lnSpc>
+                        <a:spcBef>
+                          <a:spcPts val="0"/>
+                        </a:spcBef>
+                        <a:spcAft>
+                          <a:spcPts val="0"/>
+                        </a:spcAft>
+                        <a:buClrTx/>
+                        <a:buSzTx/>
+                        <a:buFontTx/>
+                        <a:buNone/>
+                        <a:tabLst/>
+                        <a:defRPr/>
+                      </a:pPr>
+                      <a:r>
+                        <a:rPr kumimoji="1" lang="en-US" altLang="ja-JP" dirty="0" smtClean="0"/>
+                        <a:t>CNT=1</a:t>
+                      </a:r>
+                      <a:endParaRPr kumimoji="1" lang="ja-JP" altLang="en-US" dirty="0" smtClean="0"/>
+                    </a:p>
+                  </a:txBody>
+                  <a:tcPr/>
+                </a:tc>
+                <a:tc>
+                  <a:txBody>
+                    <a:bodyPr/>
+                    <a:lstStyle/>
+                    <a:p>
+                      <a:pPr marL="0" marR="0" lvl="0" indent="0" algn="ctr" defTabSz="914400" rtl="0" eaLnBrk="1" fontAlgn="auto" latinLnBrk="0" hangingPunct="1">
+                        <a:lnSpc>
+                          <a:spcPct val="100000"/>
+                        </a:lnSpc>
+                        <a:spcBef>
+                          <a:spcPts val="0"/>
+                        </a:spcBef>
+                        <a:spcAft>
+                          <a:spcPts val="0"/>
+                        </a:spcAft>
+                        <a:buClrTx/>
+                        <a:buSzTx/>
+                        <a:buFontTx/>
+                        <a:buNone/>
+                        <a:tabLst/>
+                        <a:defRPr/>
+                      </a:pPr>
+                      <a:r>
+                        <a:rPr kumimoji="1" lang="en-US" altLang="ja-JP" dirty="0" smtClean="0"/>
+                        <a:t>1</a:t>
+                      </a:r>
+                      <a:endParaRPr kumimoji="1" lang="ja-JP" altLang="en-US" dirty="0" smtClean="0"/>
+                    </a:p>
+                  </a:txBody>
+                  <a:tcPr/>
+                </a:tc>
+                <a:extLst>
+                  <a:ext uri="{0D108BD9-81ED-4DB2-BD59-A6C34878D82A}">
+                    <a16:rowId xmlns:a16="http://schemas.microsoft.com/office/drawing/2014/main" val="3371562100"/>
+                  </a:ext>
+                </a:extLst>
+              </a:tr>
+              <a:tr h="380248">
+                <a:tc>
+                  <a:txBody>
+                    <a:bodyPr/>
+                    <a:lstStyle/>
+                    <a:p>
+                      <a:pPr marL="0" marR="0" lvl="0" indent="0" algn="ctr" defTabSz="914400" rtl="0" eaLnBrk="1" fontAlgn="auto" latinLnBrk="0" hangingPunct="1">
+                        <a:lnSpc>
+                          <a:spcPct val="100000"/>
+                        </a:lnSpc>
+                        <a:spcBef>
+                          <a:spcPts val="0"/>
+                        </a:spcBef>
+                        <a:spcAft>
+                          <a:spcPts val="0"/>
+                        </a:spcAft>
+                        <a:buClrTx/>
+                        <a:buSzTx/>
+                        <a:buFontTx/>
+                        <a:buNone/>
+                        <a:tabLst/>
+                        <a:defRPr/>
+                      </a:pPr>
+                      <a:r>
+                        <a:rPr kumimoji="1" lang="en-US" altLang="ja-JP" dirty="0" smtClean="0"/>
+                        <a:t>3</a:t>
+                      </a:r>
+                      <a:r>
+                        <a:rPr kumimoji="1" lang="ja-JP" altLang="en-US" dirty="0" smtClean="0"/>
+                        <a:t>回目判定</a:t>
+                      </a:r>
+                    </a:p>
+                  </a:txBody>
+                  <a:tcPr/>
+                </a:tc>
+                <a:tc>
+                  <a:txBody>
+                    <a:bodyPr/>
+                    <a:lstStyle/>
+                    <a:p>
+                      <a:pPr algn="ctr"/>
+                      <a:r>
+                        <a:rPr kumimoji="1" lang="en-US" altLang="ja-JP" dirty="0" smtClean="0"/>
+                        <a:t>2</a:t>
+                      </a:r>
+                      <a:r>
+                        <a:rPr kumimoji="1" lang="ja-JP" altLang="en-US" dirty="0" smtClean="0"/>
+                        <a:t>≦</a:t>
+                      </a:r>
+                      <a:r>
+                        <a:rPr kumimoji="1" lang="en-US" altLang="ja-JP" dirty="0" smtClean="0"/>
+                        <a:t>10</a:t>
+                      </a:r>
+                      <a:endParaRPr kumimoji="1" lang="ja-JP" altLang="en-US" dirty="0"/>
+                    </a:p>
+                  </a:txBody>
+                  <a:tcPr/>
+                </a:tc>
+                <a:tc>
+                  <a:txBody>
+                    <a:bodyPr/>
+                    <a:lstStyle/>
+                    <a:p>
+                      <a:pPr marL="0" marR="0" lvl="0" indent="0" algn="ctr" defTabSz="914400" rtl="0" eaLnBrk="1" fontAlgn="auto" latinLnBrk="0" hangingPunct="1">
+                        <a:lnSpc>
+                          <a:spcPct val="100000"/>
+                        </a:lnSpc>
+                        <a:spcBef>
+                          <a:spcPts val="0"/>
+                        </a:spcBef>
+                        <a:spcAft>
+                          <a:spcPts val="0"/>
+                        </a:spcAft>
+                        <a:buClrTx/>
+                        <a:buSzTx/>
+                        <a:buFontTx/>
+                        <a:buNone/>
+                        <a:tabLst/>
+                        <a:defRPr/>
+                      </a:pPr>
+                      <a:r>
+                        <a:rPr kumimoji="1" lang="en-US" altLang="ja-JP" dirty="0" smtClean="0"/>
+                        <a:t>Total=</a:t>
+                      </a:r>
+                      <a:r>
+                        <a:rPr kumimoji="1" lang="en-US" altLang="ja-JP" dirty="0" err="1" smtClean="0"/>
+                        <a:t>Total+Cnt</a:t>
+                      </a:r>
+                      <a:endParaRPr kumimoji="1" lang="ja-JP" altLang="en-US" dirty="0" smtClean="0"/>
+                    </a:p>
+                  </a:txBody>
+                  <a:tcPr/>
+                </a:tc>
+                <a:tc>
+                  <a:txBody>
+                    <a:bodyPr/>
+                    <a:lstStyle/>
+                    <a:p>
+                      <a:pPr marL="0" marR="0" lvl="0" indent="0" algn="ctr" defTabSz="914400" rtl="0" eaLnBrk="1" fontAlgn="auto" latinLnBrk="0" hangingPunct="1">
+                        <a:lnSpc>
+                          <a:spcPct val="100000"/>
+                        </a:lnSpc>
+                        <a:spcBef>
+                          <a:spcPts val="0"/>
+                        </a:spcBef>
+                        <a:spcAft>
+                          <a:spcPts val="0"/>
+                        </a:spcAft>
+                        <a:buClrTx/>
+                        <a:buSzTx/>
+                        <a:buFontTx/>
+                        <a:buNone/>
+                        <a:tabLst/>
+                        <a:defRPr/>
+                      </a:pPr>
+                      <a:r>
+                        <a:rPr kumimoji="1" lang="en-US" altLang="ja-JP" dirty="0" smtClean="0"/>
+                        <a:t>CNT=2</a:t>
+                      </a:r>
+                      <a:endParaRPr kumimoji="1" lang="ja-JP" altLang="en-US" dirty="0" smtClean="0"/>
+                    </a:p>
+                  </a:txBody>
+                  <a:tcPr/>
+                </a:tc>
+                <a:tc>
+                  <a:txBody>
+                    <a:bodyPr/>
+                    <a:lstStyle/>
+                    <a:p>
+                      <a:pPr marL="0" marR="0" lvl="0" indent="0" algn="ctr" defTabSz="914400" rtl="0" eaLnBrk="1" fontAlgn="auto" latinLnBrk="0" hangingPunct="1">
+                        <a:lnSpc>
+                          <a:spcPct val="100000"/>
+                        </a:lnSpc>
+                        <a:spcBef>
+                          <a:spcPts val="0"/>
+                        </a:spcBef>
+                        <a:spcAft>
+                          <a:spcPts val="0"/>
+                        </a:spcAft>
+                        <a:buClrTx/>
+                        <a:buSzTx/>
+                        <a:buFontTx/>
+                        <a:buNone/>
+                        <a:tabLst/>
+                        <a:defRPr/>
+                      </a:pPr>
+                      <a:r>
+                        <a:rPr kumimoji="1" lang="en-US" altLang="ja-JP" dirty="0" smtClean="0"/>
+                        <a:t>3</a:t>
+                      </a:r>
+                      <a:endParaRPr kumimoji="1" lang="ja-JP" altLang="en-US" dirty="0" smtClean="0"/>
+                    </a:p>
+                  </a:txBody>
+                  <a:tcPr/>
+                </a:tc>
+                <a:extLst>
+                  <a:ext uri="{0D108BD9-81ED-4DB2-BD59-A6C34878D82A}">
+                    <a16:rowId xmlns:a16="http://schemas.microsoft.com/office/drawing/2014/main" val="1431665320"/>
+                  </a:ext>
+                </a:extLst>
+              </a:tr>
+              <a:tr h="380248">
+                <a:tc>
+                  <a:txBody>
+                    <a:bodyPr/>
+                    <a:lstStyle/>
+                    <a:p>
+                      <a:pPr marL="0" marR="0" lvl="0" indent="0" algn="ctr" defTabSz="914400" rtl="0" eaLnBrk="1" fontAlgn="auto" latinLnBrk="0" hangingPunct="1">
+                        <a:lnSpc>
+                          <a:spcPct val="100000"/>
+                        </a:lnSpc>
+                        <a:spcBef>
+                          <a:spcPts val="0"/>
+                        </a:spcBef>
+                        <a:spcAft>
+                          <a:spcPts val="0"/>
+                        </a:spcAft>
+                        <a:buClrTx/>
+                        <a:buSzTx/>
+                        <a:buFontTx/>
+                        <a:buNone/>
+                        <a:tabLst/>
+                        <a:defRPr/>
+                      </a:pPr>
+                      <a:r>
+                        <a:rPr kumimoji="1" lang="en-US" altLang="ja-JP" dirty="0" smtClean="0"/>
+                        <a:t>4</a:t>
+                      </a:r>
+                      <a:r>
+                        <a:rPr kumimoji="1" lang="ja-JP" altLang="en-US" dirty="0" smtClean="0"/>
+                        <a:t>回目判定</a:t>
+                      </a:r>
+                    </a:p>
+                  </a:txBody>
+                  <a:tcPr/>
+                </a:tc>
+                <a:tc>
+                  <a:txBody>
+                    <a:bodyPr/>
+                    <a:lstStyle/>
+                    <a:p>
+                      <a:pPr algn="ctr"/>
+                      <a:r>
+                        <a:rPr kumimoji="1" lang="en-US" altLang="ja-JP" dirty="0" smtClean="0"/>
+                        <a:t>3</a:t>
+                      </a:r>
+                      <a:r>
+                        <a:rPr kumimoji="1" lang="ja-JP" altLang="en-US" dirty="0" smtClean="0"/>
+                        <a:t>≦</a:t>
+                      </a:r>
+                      <a:r>
+                        <a:rPr kumimoji="1" lang="en-US" altLang="ja-JP" dirty="0" smtClean="0"/>
+                        <a:t>10</a:t>
+                      </a:r>
+                      <a:endParaRPr kumimoji="1" lang="ja-JP" altLang="en-US" dirty="0"/>
+                    </a:p>
+                  </a:txBody>
+                  <a:tcPr/>
+                </a:tc>
+                <a:tc>
+                  <a:txBody>
+                    <a:bodyPr/>
+                    <a:lstStyle/>
+                    <a:p>
+                      <a:pPr marL="0" marR="0" lvl="0" indent="0" algn="ctr" defTabSz="914400" rtl="0" eaLnBrk="1" fontAlgn="auto" latinLnBrk="0" hangingPunct="1">
+                        <a:lnSpc>
+                          <a:spcPct val="100000"/>
+                        </a:lnSpc>
+                        <a:spcBef>
+                          <a:spcPts val="0"/>
+                        </a:spcBef>
+                        <a:spcAft>
+                          <a:spcPts val="0"/>
+                        </a:spcAft>
+                        <a:buClrTx/>
+                        <a:buSzTx/>
+                        <a:buFontTx/>
+                        <a:buNone/>
+                        <a:tabLst/>
+                        <a:defRPr/>
+                      </a:pPr>
+                      <a:r>
+                        <a:rPr kumimoji="1" lang="en-US" altLang="ja-JP" dirty="0" smtClean="0"/>
+                        <a:t>Total=</a:t>
+                      </a:r>
+                      <a:r>
+                        <a:rPr kumimoji="1" lang="en-US" altLang="ja-JP" dirty="0" err="1" smtClean="0"/>
+                        <a:t>Total+Cnt</a:t>
+                      </a:r>
+                      <a:endParaRPr kumimoji="1" lang="ja-JP" altLang="en-US" dirty="0" smtClean="0"/>
+                    </a:p>
+                  </a:txBody>
+                  <a:tcPr/>
+                </a:tc>
+                <a:tc>
+                  <a:txBody>
+                    <a:bodyPr/>
+                    <a:lstStyle/>
+                    <a:p>
+                      <a:pPr marL="0" marR="0" lvl="0" indent="0" algn="ctr" defTabSz="914400" rtl="0" eaLnBrk="1" fontAlgn="auto" latinLnBrk="0" hangingPunct="1">
+                        <a:lnSpc>
+                          <a:spcPct val="100000"/>
+                        </a:lnSpc>
+                        <a:spcBef>
+                          <a:spcPts val="0"/>
+                        </a:spcBef>
+                        <a:spcAft>
+                          <a:spcPts val="0"/>
+                        </a:spcAft>
+                        <a:buClrTx/>
+                        <a:buSzTx/>
+                        <a:buFontTx/>
+                        <a:buNone/>
+                        <a:tabLst/>
+                        <a:defRPr/>
+                      </a:pPr>
+                      <a:r>
+                        <a:rPr kumimoji="1" lang="en-US" altLang="ja-JP" dirty="0" smtClean="0"/>
+                        <a:t>CNT=3</a:t>
+                      </a:r>
+                      <a:endParaRPr kumimoji="1" lang="ja-JP" altLang="en-US" dirty="0" smtClean="0"/>
+                    </a:p>
+                  </a:txBody>
+                  <a:tcPr/>
+                </a:tc>
+                <a:tc>
+                  <a:txBody>
+                    <a:bodyPr/>
+                    <a:lstStyle/>
+                    <a:p>
+                      <a:pPr marL="0" marR="0" lvl="0" indent="0" algn="ctr" defTabSz="914400" rtl="0" eaLnBrk="1" fontAlgn="auto" latinLnBrk="0" hangingPunct="1">
+                        <a:lnSpc>
+                          <a:spcPct val="100000"/>
+                        </a:lnSpc>
+                        <a:spcBef>
+                          <a:spcPts val="0"/>
+                        </a:spcBef>
+                        <a:spcAft>
+                          <a:spcPts val="0"/>
+                        </a:spcAft>
+                        <a:buClrTx/>
+                        <a:buSzTx/>
+                        <a:buFontTx/>
+                        <a:buNone/>
+                        <a:tabLst/>
+                        <a:defRPr/>
+                      </a:pPr>
+                      <a:r>
+                        <a:rPr kumimoji="1" lang="en-US" altLang="ja-JP" dirty="0" smtClean="0"/>
+                        <a:t>6</a:t>
+                      </a:r>
+                      <a:endParaRPr kumimoji="1" lang="ja-JP" altLang="en-US" dirty="0" smtClean="0"/>
+                    </a:p>
+                  </a:txBody>
+                  <a:tcPr/>
+                </a:tc>
+                <a:extLst>
+                  <a:ext uri="{0D108BD9-81ED-4DB2-BD59-A6C34878D82A}">
+                    <a16:rowId xmlns:a16="http://schemas.microsoft.com/office/drawing/2014/main" val="1546515145"/>
+                  </a:ext>
+                </a:extLst>
+              </a:tr>
+              <a:tr h="390842">
+                <a:tc>
+                  <a:txBody>
+                    <a:bodyPr/>
+                    <a:lstStyle/>
+                    <a:p>
+                      <a:pPr marL="0" marR="0" lvl="0" indent="0" algn="ctr" defTabSz="914400" rtl="0" eaLnBrk="1" fontAlgn="auto" latinLnBrk="0" hangingPunct="1">
+                        <a:lnSpc>
+                          <a:spcPct val="100000"/>
+                        </a:lnSpc>
+                        <a:spcBef>
+                          <a:spcPts val="0"/>
+                        </a:spcBef>
+                        <a:spcAft>
+                          <a:spcPts val="0"/>
+                        </a:spcAft>
+                        <a:buClrTx/>
+                        <a:buSzTx/>
+                        <a:buFontTx/>
+                        <a:buNone/>
+                        <a:tabLst/>
+                        <a:defRPr/>
+                      </a:pPr>
+                      <a:r>
+                        <a:rPr kumimoji="1" lang="en-US" altLang="ja-JP" dirty="0" smtClean="0"/>
+                        <a:t>5</a:t>
+                      </a:r>
+                      <a:r>
+                        <a:rPr kumimoji="1" lang="ja-JP" altLang="en-US" dirty="0" smtClean="0"/>
+                        <a:t>回目判定</a:t>
+                      </a:r>
+                    </a:p>
+                  </a:txBody>
+                  <a:tcPr/>
+                </a:tc>
+                <a:tc>
+                  <a:txBody>
+                    <a:bodyPr/>
+                    <a:lstStyle/>
+                    <a:p>
+                      <a:pPr algn="ctr"/>
+                      <a:r>
+                        <a:rPr kumimoji="1" lang="en-US" altLang="ja-JP" dirty="0" smtClean="0"/>
+                        <a:t>4</a:t>
+                      </a:r>
+                      <a:r>
+                        <a:rPr kumimoji="1" lang="ja-JP" altLang="en-US" dirty="0" smtClean="0"/>
+                        <a:t>≦</a:t>
+                      </a:r>
+                      <a:r>
+                        <a:rPr kumimoji="1" lang="en-US" altLang="ja-JP" dirty="0" smtClean="0"/>
+                        <a:t>10</a:t>
+                      </a:r>
+                      <a:endParaRPr kumimoji="1" lang="ja-JP" altLang="en-US" dirty="0"/>
+                    </a:p>
+                  </a:txBody>
+                  <a:tcPr/>
+                </a:tc>
+                <a:tc>
+                  <a:txBody>
+                    <a:bodyPr/>
+                    <a:lstStyle/>
+                    <a:p>
+                      <a:pPr marL="0" marR="0" lvl="0" indent="0" algn="ctr" defTabSz="914400" rtl="0" eaLnBrk="1" fontAlgn="auto" latinLnBrk="0" hangingPunct="1">
+                        <a:lnSpc>
+                          <a:spcPct val="100000"/>
+                        </a:lnSpc>
+                        <a:spcBef>
+                          <a:spcPts val="0"/>
+                        </a:spcBef>
+                        <a:spcAft>
+                          <a:spcPts val="0"/>
+                        </a:spcAft>
+                        <a:buClrTx/>
+                        <a:buSzTx/>
+                        <a:buFontTx/>
+                        <a:buNone/>
+                        <a:tabLst/>
+                        <a:defRPr/>
+                      </a:pPr>
+                      <a:r>
+                        <a:rPr kumimoji="1" lang="en-US" altLang="ja-JP" dirty="0" smtClean="0"/>
+                        <a:t>Total=</a:t>
+                      </a:r>
+                      <a:r>
+                        <a:rPr kumimoji="1" lang="en-US" altLang="ja-JP" dirty="0" err="1" smtClean="0"/>
+                        <a:t>Total+Cnt</a:t>
+                      </a:r>
+                      <a:endParaRPr kumimoji="1" lang="ja-JP" altLang="en-US" dirty="0" smtClean="0"/>
+                    </a:p>
+                  </a:txBody>
+                  <a:tcPr/>
+                </a:tc>
+                <a:tc>
+                  <a:txBody>
+                    <a:bodyPr/>
+                    <a:lstStyle/>
+                    <a:p>
+                      <a:pPr marL="0" marR="0" lvl="0" indent="0" algn="ctr" defTabSz="914400" rtl="0" eaLnBrk="1" fontAlgn="auto" latinLnBrk="0" hangingPunct="1">
+                        <a:lnSpc>
+                          <a:spcPct val="100000"/>
+                        </a:lnSpc>
+                        <a:spcBef>
+                          <a:spcPts val="0"/>
+                        </a:spcBef>
+                        <a:spcAft>
+                          <a:spcPts val="0"/>
+                        </a:spcAft>
+                        <a:buClrTx/>
+                        <a:buSzTx/>
+                        <a:buFontTx/>
+                        <a:buNone/>
+                        <a:tabLst/>
+                        <a:defRPr/>
+                      </a:pPr>
+                      <a:r>
+                        <a:rPr kumimoji="1" lang="en-US" altLang="ja-JP" dirty="0" smtClean="0"/>
+                        <a:t>CNT=4</a:t>
+                      </a:r>
+                      <a:endParaRPr kumimoji="1" lang="ja-JP" altLang="en-US" dirty="0" smtClean="0"/>
+                    </a:p>
+                  </a:txBody>
+                  <a:tcPr/>
+                </a:tc>
+                <a:tc>
+                  <a:txBody>
+                    <a:bodyPr/>
+                    <a:lstStyle/>
+                    <a:p>
+                      <a:pPr marL="0" marR="0" lvl="0" indent="0" algn="ctr" defTabSz="914400" rtl="0" eaLnBrk="1" fontAlgn="auto" latinLnBrk="0" hangingPunct="1">
+                        <a:lnSpc>
+                          <a:spcPct val="100000"/>
+                        </a:lnSpc>
+                        <a:spcBef>
+                          <a:spcPts val="0"/>
+                        </a:spcBef>
+                        <a:spcAft>
+                          <a:spcPts val="0"/>
+                        </a:spcAft>
+                        <a:buClrTx/>
+                        <a:buSzTx/>
+                        <a:buFontTx/>
+                        <a:buNone/>
+                        <a:tabLst/>
+                        <a:defRPr/>
+                      </a:pPr>
+                      <a:r>
+                        <a:rPr kumimoji="1" lang="en-US" altLang="ja-JP" dirty="0" smtClean="0"/>
+                        <a:t>10</a:t>
+                      </a:r>
+                      <a:endParaRPr kumimoji="1" lang="ja-JP" altLang="en-US" dirty="0" smtClean="0"/>
+                    </a:p>
+                  </a:txBody>
+                  <a:tcPr/>
+                </a:tc>
+                <a:extLst>
+                  <a:ext uri="{0D108BD9-81ED-4DB2-BD59-A6C34878D82A}">
+                    <a16:rowId xmlns:a16="http://schemas.microsoft.com/office/drawing/2014/main" val="3133979225"/>
+                  </a:ext>
+                </a:extLst>
+              </a:tr>
+              <a:tr h="385535">
+                <a:tc>
+                  <a:txBody>
+                    <a:bodyPr/>
+                    <a:lstStyle/>
+                    <a:p>
+                      <a:pPr marL="0" marR="0" lvl="0" indent="0" algn="ctr" defTabSz="914400" rtl="0" eaLnBrk="1" fontAlgn="auto" latinLnBrk="0" hangingPunct="1">
+                        <a:lnSpc>
+                          <a:spcPct val="100000"/>
+                        </a:lnSpc>
+                        <a:spcBef>
+                          <a:spcPts val="0"/>
+                        </a:spcBef>
+                        <a:spcAft>
+                          <a:spcPts val="0"/>
+                        </a:spcAft>
+                        <a:buClrTx/>
+                        <a:buSzTx/>
+                        <a:buFontTx/>
+                        <a:buNone/>
+                        <a:tabLst/>
+                        <a:defRPr/>
+                      </a:pPr>
+                      <a:r>
+                        <a:rPr kumimoji="1" lang="en-US" altLang="ja-JP" dirty="0" smtClean="0"/>
+                        <a:t>6</a:t>
+                      </a:r>
+                      <a:r>
+                        <a:rPr kumimoji="1" lang="ja-JP" altLang="en-US" dirty="0" smtClean="0"/>
+                        <a:t>回目判定</a:t>
+                      </a:r>
+                    </a:p>
+                  </a:txBody>
+                  <a:tcPr/>
+                </a:tc>
+                <a:tc>
+                  <a:txBody>
+                    <a:bodyPr/>
+                    <a:lstStyle/>
+                    <a:p>
+                      <a:pPr algn="ctr"/>
+                      <a:r>
+                        <a:rPr kumimoji="1" lang="en-US" altLang="ja-JP" dirty="0" smtClean="0"/>
+                        <a:t>5</a:t>
+                      </a:r>
+                      <a:r>
+                        <a:rPr kumimoji="1" lang="ja-JP" altLang="en-US" dirty="0" smtClean="0"/>
+                        <a:t>≦</a:t>
+                      </a:r>
+                      <a:r>
+                        <a:rPr kumimoji="1" lang="en-US" altLang="ja-JP" dirty="0" smtClean="0"/>
+                        <a:t>10</a:t>
+                      </a:r>
+                      <a:endParaRPr kumimoji="1" lang="ja-JP" altLang="en-US" dirty="0"/>
+                    </a:p>
+                  </a:txBody>
+                  <a:tcPr/>
+                </a:tc>
+                <a:tc>
+                  <a:txBody>
+                    <a:bodyPr/>
+                    <a:lstStyle/>
+                    <a:p>
+                      <a:pPr marL="0" marR="0" lvl="0" indent="0" algn="ctr" defTabSz="914400" rtl="0" eaLnBrk="1" fontAlgn="auto" latinLnBrk="0" hangingPunct="1">
+                        <a:lnSpc>
+                          <a:spcPct val="100000"/>
+                        </a:lnSpc>
+                        <a:spcBef>
+                          <a:spcPts val="0"/>
+                        </a:spcBef>
+                        <a:spcAft>
+                          <a:spcPts val="0"/>
+                        </a:spcAft>
+                        <a:buClrTx/>
+                        <a:buSzTx/>
+                        <a:buFontTx/>
+                        <a:buNone/>
+                        <a:tabLst/>
+                        <a:defRPr/>
+                      </a:pPr>
+                      <a:r>
+                        <a:rPr kumimoji="1" lang="en-US" altLang="ja-JP" dirty="0" smtClean="0"/>
+                        <a:t>Total=</a:t>
+                      </a:r>
+                      <a:r>
+                        <a:rPr kumimoji="1" lang="en-US" altLang="ja-JP" dirty="0" err="1" smtClean="0"/>
+                        <a:t>Total+Cnt</a:t>
+                      </a:r>
+                      <a:endParaRPr kumimoji="1" lang="ja-JP" altLang="en-US" dirty="0" smtClean="0"/>
+                    </a:p>
+                  </a:txBody>
+                  <a:tcPr/>
+                </a:tc>
+                <a:tc>
+                  <a:txBody>
+                    <a:bodyPr/>
+                    <a:lstStyle/>
+                    <a:p>
+                      <a:pPr marL="0" marR="0" lvl="0" indent="0" algn="ctr" defTabSz="914400" rtl="0" eaLnBrk="1" fontAlgn="auto" latinLnBrk="0" hangingPunct="1">
+                        <a:lnSpc>
+                          <a:spcPct val="100000"/>
+                        </a:lnSpc>
+                        <a:spcBef>
+                          <a:spcPts val="0"/>
+                        </a:spcBef>
+                        <a:spcAft>
+                          <a:spcPts val="0"/>
+                        </a:spcAft>
+                        <a:buClrTx/>
+                        <a:buSzTx/>
+                        <a:buFontTx/>
+                        <a:buNone/>
+                        <a:tabLst/>
+                        <a:defRPr/>
+                      </a:pPr>
+                      <a:r>
+                        <a:rPr kumimoji="1" lang="en-US" altLang="ja-JP" dirty="0" smtClean="0"/>
+                        <a:t>CNT=5</a:t>
+                      </a:r>
+                      <a:endParaRPr kumimoji="1" lang="ja-JP" altLang="en-US" dirty="0" smtClean="0"/>
+                    </a:p>
+                  </a:txBody>
+                  <a:tcPr/>
+                </a:tc>
+                <a:tc>
+                  <a:txBody>
+                    <a:bodyPr/>
+                    <a:lstStyle/>
+                    <a:p>
+                      <a:pPr marL="0" marR="0" lvl="0" indent="0" algn="ctr" defTabSz="914400" rtl="0" eaLnBrk="1" fontAlgn="auto" latinLnBrk="0" hangingPunct="1">
+                        <a:lnSpc>
+                          <a:spcPct val="100000"/>
+                        </a:lnSpc>
+                        <a:spcBef>
+                          <a:spcPts val="0"/>
+                        </a:spcBef>
+                        <a:spcAft>
+                          <a:spcPts val="0"/>
+                        </a:spcAft>
+                        <a:buClrTx/>
+                        <a:buSzTx/>
+                        <a:buFontTx/>
+                        <a:buNone/>
+                        <a:tabLst/>
+                        <a:defRPr/>
+                      </a:pPr>
+                      <a:r>
+                        <a:rPr kumimoji="1" lang="en-US" altLang="ja-JP" dirty="0" smtClean="0"/>
+                        <a:t>15</a:t>
+                      </a:r>
+                      <a:endParaRPr kumimoji="1" lang="ja-JP" altLang="en-US" dirty="0" smtClean="0"/>
+                    </a:p>
+                  </a:txBody>
+                  <a:tcPr/>
+                </a:tc>
+                <a:extLst>
+                  <a:ext uri="{0D108BD9-81ED-4DB2-BD59-A6C34878D82A}">
+                    <a16:rowId xmlns:a16="http://schemas.microsoft.com/office/drawing/2014/main" val="908696110"/>
+                  </a:ext>
+                </a:extLst>
+              </a:tr>
+              <a:tr h="433728">
+                <a:tc>
+                  <a:txBody>
+                    <a:bodyPr/>
+                    <a:lstStyle/>
+                    <a:p>
+                      <a:pPr marL="0" marR="0" lvl="0" indent="0" algn="ctr" defTabSz="914400" rtl="0" eaLnBrk="1" fontAlgn="auto" latinLnBrk="0" hangingPunct="1">
+                        <a:lnSpc>
+                          <a:spcPct val="100000"/>
+                        </a:lnSpc>
+                        <a:spcBef>
+                          <a:spcPts val="0"/>
+                        </a:spcBef>
+                        <a:spcAft>
+                          <a:spcPts val="0"/>
+                        </a:spcAft>
+                        <a:buClrTx/>
+                        <a:buSzTx/>
+                        <a:buFontTx/>
+                        <a:buNone/>
+                        <a:tabLst/>
+                        <a:defRPr/>
+                      </a:pPr>
+                      <a:r>
+                        <a:rPr kumimoji="1" lang="en-US" altLang="ja-JP" dirty="0" smtClean="0"/>
+                        <a:t>7</a:t>
+                      </a:r>
+                      <a:r>
+                        <a:rPr kumimoji="1" lang="ja-JP" altLang="en-US" dirty="0" smtClean="0"/>
+                        <a:t>回目判定</a:t>
+                      </a:r>
+                    </a:p>
+                  </a:txBody>
+                  <a:tcPr/>
+                </a:tc>
+                <a:tc>
+                  <a:txBody>
+                    <a:bodyPr/>
+                    <a:lstStyle/>
+                    <a:p>
+                      <a:pPr algn="ctr"/>
+                      <a:r>
+                        <a:rPr kumimoji="1" lang="en-US" altLang="ja-JP" dirty="0" smtClean="0"/>
+                        <a:t>6</a:t>
+                      </a:r>
+                      <a:r>
+                        <a:rPr kumimoji="1" lang="ja-JP" altLang="en-US" dirty="0" smtClean="0"/>
+                        <a:t>≦</a:t>
+                      </a:r>
+                      <a:r>
+                        <a:rPr kumimoji="1" lang="en-US" altLang="ja-JP" dirty="0" smtClean="0"/>
+                        <a:t>10</a:t>
+                      </a:r>
+                      <a:endParaRPr kumimoji="1" lang="ja-JP" altLang="en-US" dirty="0"/>
+                    </a:p>
+                  </a:txBody>
+                  <a:tcPr/>
+                </a:tc>
+                <a:tc>
+                  <a:txBody>
+                    <a:bodyPr/>
+                    <a:lstStyle/>
+                    <a:p>
+                      <a:pPr marL="0" marR="0" lvl="0" indent="0" algn="ctr" defTabSz="914400" rtl="0" eaLnBrk="1" fontAlgn="auto" latinLnBrk="0" hangingPunct="1">
+                        <a:lnSpc>
+                          <a:spcPct val="100000"/>
+                        </a:lnSpc>
+                        <a:spcBef>
+                          <a:spcPts val="0"/>
+                        </a:spcBef>
+                        <a:spcAft>
+                          <a:spcPts val="0"/>
+                        </a:spcAft>
+                        <a:buClrTx/>
+                        <a:buSzTx/>
+                        <a:buFontTx/>
+                        <a:buNone/>
+                        <a:tabLst/>
+                        <a:defRPr/>
+                      </a:pPr>
+                      <a:r>
+                        <a:rPr kumimoji="1" lang="en-US" altLang="ja-JP" dirty="0" smtClean="0"/>
+                        <a:t>Total=</a:t>
+                      </a:r>
+                      <a:r>
+                        <a:rPr kumimoji="1" lang="en-US" altLang="ja-JP" dirty="0" err="1" smtClean="0"/>
+                        <a:t>Total+Cnt</a:t>
+                      </a:r>
+                      <a:endParaRPr kumimoji="1" lang="ja-JP" altLang="en-US" dirty="0" smtClean="0"/>
+                    </a:p>
+                  </a:txBody>
+                  <a:tcPr/>
+                </a:tc>
+                <a:tc>
+                  <a:txBody>
+                    <a:bodyPr/>
+                    <a:lstStyle/>
+                    <a:p>
+                      <a:pPr marL="0" marR="0" lvl="0" indent="0" algn="ctr" defTabSz="914400" rtl="0" eaLnBrk="1" fontAlgn="auto" latinLnBrk="0" hangingPunct="1">
+                        <a:lnSpc>
+                          <a:spcPct val="100000"/>
+                        </a:lnSpc>
+                        <a:spcBef>
+                          <a:spcPts val="0"/>
+                        </a:spcBef>
+                        <a:spcAft>
+                          <a:spcPts val="0"/>
+                        </a:spcAft>
+                        <a:buClrTx/>
+                        <a:buSzTx/>
+                        <a:buFontTx/>
+                        <a:buNone/>
+                        <a:tabLst/>
+                        <a:defRPr/>
+                      </a:pPr>
+                      <a:r>
+                        <a:rPr kumimoji="1" lang="en-US" altLang="ja-JP" dirty="0" smtClean="0"/>
+                        <a:t>CNT=6</a:t>
+                      </a:r>
+                      <a:endParaRPr kumimoji="1" lang="ja-JP" altLang="en-US" dirty="0" smtClean="0"/>
+                    </a:p>
+                  </a:txBody>
+                  <a:tcPr/>
+                </a:tc>
+                <a:tc>
+                  <a:txBody>
+                    <a:bodyPr/>
+                    <a:lstStyle/>
+                    <a:p>
+                      <a:pPr marL="0" marR="0" lvl="0" indent="0" algn="ctr" defTabSz="914400" rtl="0" eaLnBrk="1" fontAlgn="auto" latinLnBrk="0" hangingPunct="1">
+                        <a:lnSpc>
+                          <a:spcPct val="100000"/>
+                        </a:lnSpc>
+                        <a:spcBef>
+                          <a:spcPts val="0"/>
+                        </a:spcBef>
+                        <a:spcAft>
+                          <a:spcPts val="0"/>
+                        </a:spcAft>
+                        <a:buClrTx/>
+                        <a:buSzTx/>
+                        <a:buFontTx/>
+                        <a:buNone/>
+                        <a:tabLst/>
+                        <a:defRPr/>
+                      </a:pPr>
+                      <a:r>
+                        <a:rPr kumimoji="1" lang="en-US" altLang="ja-JP" dirty="0" smtClean="0"/>
+                        <a:t>21</a:t>
+                      </a:r>
+                      <a:endParaRPr kumimoji="1" lang="ja-JP" altLang="en-US" dirty="0" smtClean="0"/>
+                    </a:p>
+                  </a:txBody>
+                  <a:tcPr/>
+                </a:tc>
+                <a:extLst>
+                  <a:ext uri="{0D108BD9-81ED-4DB2-BD59-A6C34878D82A}">
+                    <a16:rowId xmlns:a16="http://schemas.microsoft.com/office/drawing/2014/main" val="2284304215"/>
+                  </a:ext>
+                </a:extLst>
+              </a:tr>
+              <a:tr h="385535">
+                <a:tc>
+                  <a:txBody>
+                    <a:bodyPr/>
+                    <a:lstStyle/>
+                    <a:p>
+                      <a:pPr marL="0" marR="0" lvl="0" indent="0" algn="ctr" defTabSz="914400" rtl="0" eaLnBrk="1" fontAlgn="auto" latinLnBrk="0" hangingPunct="1">
+                        <a:lnSpc>
+                          <a:spcPct val="100000"/>
+                        </a:lnSpc>
+                        <a:spcBef>
+                          <a:spcPts val="0"/>
+                        </a:spcBef>
+                        <a:spcAft>
+                          <a:spcPts val="0"/>
+                        </a:spcAft>
+                        <a:buClrTx/>
+                        <a:buSzTx/>
+                        <a:buFontTx/>
+                        <a:buNone/>
+                        <a:tabLst/>
+                        <a:defRPr/>
+                      </a:pPr>
+                      <a:r>
+                        <a:rPr kumimoji="1" lang="en-US" altLang="ja-JP" dirty="0" smtClean="0"/>
+                        <a:t>8</a:t>
+                      </a:r>
+                      <a:r>
+                        <a:rPr kumimoji="1" lang="ja-JP" altLang="en-US" dirty="0" smtClean="0"/>
+                        <a:t>回目判定</a:t>
+                      </a:r>
+                    </a:p>
+                  </a:txBody>
+                  <a:tcPr/>
+                </a:tc>
+                <a:tc>
+                  <a:txBody>
+                    <a:bodyPr/>
+                    <a:lstStyle/>
+                    <a:p>
+                      <a:pPr algn="ctr"/>
+                      <a:r>
+                        <a:rPr kumimoji="1" lang="en-US" altLang="ja-JP" dirty="0" smtClean="0"/>
+                        <a:t>7</a:t>
+                      </a:r>
+                      <a:r>
+                        <a:rPr kumimoji="1" lang="ja-JP" altLang="en-US" dirty="0" smtClean="0"/>
+                        <a:t>≦</a:t>
+                      </a:r>
+                      <a:r>
+                        <a:rPr kumimoji="1" lang="en-US" altLang="ja-JP" dirty="0" smtClean="0"/>
+                        <a:t>10</a:t>
+                      </a:r>
+                      <a:endParaRPr kumimoji="1" lang="ja-JP" altLang="en-US" dirty="0"/>
+                    </a:p>
+                  </a:txBody>
+                  <a:tcPr/>
+                </a:tc>
+                <a:tc>
+                  <a:txBody>
+                    <a:bodyPr/>
+                    <a:lstStyle/>
+                    <a:p>
+                      <a:pPr marL="0" marR="0" lvl="0" indent="0" algn="ctr" defTabSz="914400" rtl="0" eaLnBrk="1" fontAlgn="auto" latinLnBrk="0" hangingPunct="1">
+                        <a:lnSpc>
+                          <a:spcPct val="100000"/>
+                        </a:lnSpc>
+                        <a:spcBef>
+                          <a:spcPts val="0"/>
+                        </a:spcBef>
+                        <a:spcAft>
+                          <a:spcPts val="0"/>
+                        </a:spcAft>
+                        <a:buClrTx/>
+                        <a:buSzTx/>
+                        <a:buFontTx/>
+                        <a:buNone/>
+                        <a:tabLst/>
+                        <a:defRPr/>
+                      </a:pPr>
+                      <a:r>
+                        <a:rPr kumimoji="1" lang="en-US" altLang="ja-JP" dirty="0" smtClean="0"/>
+                        <a:t>Total=</a:t>
+                      </a:r>
+                      <a:r>
+                        <a:rPr kumimoji="1" lang="en-US" altLang="ja-JP" dirty="0" err="1" smtClean="0"/>
+                        <a:t>Total+Cnt</a:t>
+                      </a:r>
+                      <a:endParaRPr kumimoji="1" lang="ja-JP" altLang="en-US" dirty="0" smtClean="0"/>
+                    </a:p>
+                  </a:txBody>
+                  <a:tcPr/>
+                </a:tc>
+                <a:tc>
+                  <a:txBody>
+                    <a:bodyPr/>
+                    <a:lstStyle/>
+                    <a:p>
+                      <a:pPr marL="0" marR="0" lvl="0" indent="0" algn="ctr" defTabSz="914400" rtl="0" eaLnBrk="1" fontAlgn="auto" latinLnBrk="0" hangingPunct="1">
+                        <a:lnSpc>
+                          <a:spcPct val="100000"/>
+                        </a:lnSpc>
+                        <a:spcBef>
+                          <a:spcPts val="0"/>
+                        </a:spcBef>
+                        <a:spcAft>
+                          <a:spcPts val="0"/>
+                        </a:spcAft>
+                        <a:buClrTx/>
+                        <a:buSzTx/>
+                        <a:buFontTx/>
+                        <a:buNone/>
+                        <a:tabLst/>
+                        <a:defRPr/>
+                      </a:pPr>
+                      <a:r>
+                        <a:rPr kumimoji="1" lang="en-US" altLang="ja-JP" dirty="0" smtClean="0"/>
+                        <a:t>CNT=7</a:t>
+                      </a:r>
+                      <a:endParaRPr kumimoji="1" lang="ja-JP" altLang="en-US" dirty="0" smtClean="0"/>
+                    </a:p>
+                  </a:txBody>
+                  <a:tcPr/>
+                </a:tc>
+                <a:tc>
+                  <a:txBody>
+                    <a:bodyPr/>
+                    <a:lstStyle/>
+                    <a:p>
+                      <a:pPr marL="0" marR="0" lvl="0" indent="0" algn="ctr" defTabSz="914400" rtl="0" eaLnBrk="1" fontAlgn="auto" latinLnBrk="0" hangingPunct="1">
+                        <a:lnSpc>
+                          <a:spcPct val="100000"/>
+                        </a:lnSpc>
+                        <a:spcBef>
+                          <a:spcPts val="0"/>
+                        </a:spcBef>
+                        <a:spcAft>
+                          <a:spcPts val="0"/>
+                        </a:spcAft>
+                        <a:buClrTx/>
+                        <a:buSzTx/>
+                        <a:buFontTx/>
+                        <a:buNone/>
+                        <a:tabLst/>
+                        <a:defRPr/>
+                      </a:pPr>
+                      <a:r>
+                        <a:rPr kumimoji="1" lang="en-US" altLang="ja-JP" dirty="0" smtClean="0"/>
+                        <a:t>28</a:t>
+                      </a:r>
+                      <a:endParaRPr kumimoji="1" lang="ja-JP" altLang="en-US" dirty="0" smtClean="0"/>
+                    </a:p>
+                  </a:txBody>
+                  <a:tcPr/>
+                </a:tc>
+                <a:extLst>
+                  <a:ext uri="{0D108BD9-81ED-4DB2-BD59-A6C34878D82A}">
+                    <a16:rowId xmlns:a16="http://schemas.microsoft.com/office/drawing/2014/main" val="2673693259"/>
+                  </a:ext>
+                </a:extLst>
+              </a:tr>
+              <a:tr h="407325">
+                <a:tc>
+                  <a:txBody>
+                    <a:bodyPr/>
+                    <a:lstStyle/>
+                    <a:p>
+                      <a:pPr marL="0" marR="0" lvl="0" indent="0" algn="ctr" defTabSz="914400" rtl="0" eaLnBrk="1" fontAlgn="auto" latinLnBrk="0" hangingPunct="1">
+                        <a:lnSpc>
+                          <a:spcPct val="100000"/>
+                        </a:lnSpc>
+                        <a:spcBef>
+                          <a:spcPts val="0"/>
+                        </a:spcBef>
+                        <a:spcAft>
+                          <a:spcPts val="0"/>
+                        </a:spcAft>
+                        <a:buClrTx/>
+                        <a:buSzTx/>
+                        <a:buFontTx/>
+                        <a:buNone/>
+                        <a:tabLst/>
+                        <a:defRPr/>
+                      </a:pPr>
+                      <a:r>
+                        <a:rPr kumimoji="1" lang="en-US" altLang="ja-JP" dirty="0" smtClean="0"/>
+                        <a:t>9</a:t>
+                      </a:r>
+                      <a:r>
+                        <a:rPr kumimoji="1" lang="ja-JP" altLang="en-US" dirty="0" smtClean="0"/>
+                        <a:t>回目判定</a:t>
+                      </a:r>
+                    </a:p>
+                  </a:txBody>
+                  <a:tcPr/>
+                </a:tc>
+                <a:tc>
+                  <a:txBody>
+                    <a:bodyPr/>
+                    <a:lstStyle/>
+                    <a:p>
+                      <a:pPr algn="ctr"/>
+                      <a:r>
+                        <a:rPr kumimoji="1" lang="en-US" altLang="ja-JP" dirty="0" smtClean="0"/>
+                        <a:t>8</a:t>
+                      </a:r>
+                      <a:r>
+                        <a:rPr kumimoji="1" lang="ja-JP" altLang="en-US" dirty="0" smtClean="0"/>
+                        <a:t>≦</a:t>
+                      </a:r>
+                      <a:r>
+                        <a:rPr kumimoji="1" lang="en-US" altLang="ja-JP" dirty="0" smtClean="0"/>
+                        <a:t>10</a:t>
+                      </a:r>
+                      <a:endParaRPr kumimoji="1" lang="ja-JP" altLang="en-US" dirty="0"/>
+                    </a:p>
+                  </a:txBody>
+                  <a:tcPr/>
+                </a:tc>
+                <a:tc>
+                  <a:txBody>
+                    <a:bodyPr/>
+                    <a:lstStyle/>
+                    <a:p>
+                      <a:pPr marL="0" marR="0" lvl="0" indent="0" algn="ctr" defTabSz="914400" rtl="0" eaLnBrk="1" fontAlgn="auto" latinLnBrk="0" hangingPunct="1">
+                        <a:lnSpc>
+                          <a:spcPct val="100000"/>
+                        </a:lnSpc>
+                        <a:spcBef>
+                          <a:spcPts val="0"/>
+                        </a:spcBef>
+                        <a:spcAft>
+                          <a:spcPts val="0"/>
+                        </a:spcAft>
+                        <a:buClrTx/>
+                        <a:buSzTx/>
+                        <a:buFontTx/>
+                        <a:buNone/>
+                        <a:tabLst/>
+                        <a:defRPr/>
+                      </a:pPr>
+                      <a:r>
+                        <a:rPr kumimoji="1" lang="en-US" altLang="ja-JP" dirty="0" smtClean="0"/>
+                        <a:t>Total=</a:t>
+                      </a:r>
+                      <a:r>
+                        <a:rPr kumimoji="1" lang="en-US" altLang="ja-JP" dirty="0" err="1" smtClean="0"/>
+                        <a:t>Total+Cnt</a:t>
+                      </a:r>
+                      <a:endParaRPr kumimoji="1" lang="ja-JP" altLang="en-US" dirty="0" smtClean="0"/>
+                    </a:p>
+                  </a:txBody>
+                  <a:tcPr/>
+                </a:tc>
+                <a:tc>
+                  <a:txBody>
+                    <a:bodyPr/>
+                    <a:lstStyle/>
+                    <a:p>
+                      <a:pPr marL="0" marR="0" lvl="0" indent="0" algn="ctr" defTabSz="914400" rtl="0" eaLnBrk="1" fontAlgn="auto" latinLnBrk="0" hangingPunct="1">
+                        <a:lnSpc>
+                          <a:spcPct val="100000"/>
+                        </a:lnSpc>
+                        <a:spcBef>
+                          <a:spcPts val="0"/>
+                        </a:spcBef>
+                        <a:spcAft>
+                          <a:spcPts val="0"/>
+                        </a:spcAft>
+                        <a:buClrTx/>
+                        <a:buSzTx/>
+                        <a:buFontTx/>
+                        <a:buNone/>
+                        <a:tabLst/>
+                        <a:defRPr/>
+                      </a:pPr>
+                      <a:r>
+                        <a:rPr kumimoji="1" lang="en-US" altLang="ja-JP" dirty="0" smtClean="0"/>
+                        <a:t>CNT=8</a:t>
+                      </a:r>
+                      <a:endParaRPr kumimoji="1" lang="ja-JP" altLang="en-US" dirty="0" smtClean="0"/>
+                    </a:p>
+                  </a:txBody>
+                  <a:tcPr/>
+                </a:tc>
+                <a:tc>
+                  <a:txBody>
+                    <a:bodyPr/>
+                    <a:lstStyle/>
+                    <a:p>
+                      <a:pPr marL="0" marR="0" lvl="0" indent="0" algn="ctr" defTabSz="914400" rtl="0" eaLnBrk="1" fontAlgn="auto" latinLnBrk="0" hangingPunct="1">
+                        <a:lnSpc>
+                          <a:spcPct val="100000"/>
+                        </a:lnSpc>
+                        <a:spcBef>
+                          <a:spcPts val="0"/>
+                        </a:spcBef>
+                        <a:spcAft>
+                          <a:spcPts val="0"/>
+                        </a:spcAft>
+                        <a:buClrTx/>
+                        <a:buSzTx/>
+                        <a:buFontTx/>
+                        <a:buNone/>
+                        <a:tabLst/>
+                        <a:defRPr/>
+                      </a:pPr>
+                      <a:r>
+                        <a:rPr kumimoji="1" lang="en-US" altLang="ja-JP" dirty="0" smtClean="0"/>
+                        <a:t>36</a:t>
+                      </a:r>
+                      <a:endParaRPr kumimoji="1" lang="ja-JP" altLang="en-US" dirty="0" smtClean="0"/>
+                    </a:p>
+                  </a:txBody>
+                  <a:tcPr/>
+                </a:tc>
+                <a:extLst>
+                  <a:ext uri="{0D108BD9-81ED-4DB2-BD59-A6C34878D82A}">
+                    <a16:rowId xmlns:a16="http://schemas.microsoft.com/office/drawing/2014/main" val="1543370961"/>
+                  </a:ext>
+                </a:extLst>
+              </a:tr>
+              <a:tr h="380248">
+                <a:tc>
+                  <a:txBody>
+                    <a:bodyPr/>
+                    <a:lstStyle/>
+                    <a:p>
+                      <a:pPr marL="0" marR="0" lvl="0" indent="0" algn="ctr" defTabSz="914400" rtl="0" eaLnBrk="1" fontAlgn="auto" latinLnBrk="0" hangingPunct="1">
+                        <a:lnSpc>
+                          <a:spcPct val="100000"/>
+                        </a:lnSpc>
+                        <a:spcBef>
+                          <a:spcPts val="0"/>
+                        </a:spcBef>
+                        <a:spcAft>
+                          <a:spcPts val="0"/>
+                        </a:spcAft>
+                        <a:buClrTx/>
+                        <a:buSzTx/>
+                        <a:buFontTx/>
+                        <a:buNone/>
+                        <a:tabLst/>
+                        <a:defRPr/>
+                      </a:pPr>
+                      <a:r>
+                        <a:rPr kumimoji="1" lang="en-US" altLang="ja-JP" dirty="0" smtClean="0"/>
+                        <a:t>10</a:t>
+                      </a:r>
+                      <a:r>
+                        <a:rPr kumimoji="1" lang="ja-JP" altLang="en-US" dirty="0" smtClean="0"/>
+                        <a:t>回目判定</a:t>
+                      </a:r>
+                    </a:p>
+                  </a:txBody>
+                  <a:tcPr/>
+                </a:tc>
+                <a:tc>
+                  <a:txBody>
+                    <a:bodyPr/>
+                    <a:lstStyle/>
+                    <a:p>
+                      <a:pPr algn="ctr"/>
+                      <a:r>
+                        <a:rPr kumimoji="1" lang="en-US" altLang="ja-JP" dirty="0" smtClean="0"/>
+                        <a:t>9</a:t>
+                      </a:r>
+                      <a:r>
+                        <a:rPr kumimoji="1" lang="ja-JP" altLang="en-US" dirty="0" smtClean="0"/>
+                        <a:t>≦</a:t>
+                      </a:r>
+                      <a:r>
+                        <a:rPr kumimoji="1" lang="en-US" altLang="ja-JP" dirty="0" smtClean="0"/>
+                        <a:t>10</a:t>
+                      </a:r>
+                      <a:endParaRPr kumimoji="1" lang="ja-JP" altLang="en-US" dirty="0"/>
+                    </a:p>
+                  </a:txBody>
+                  <a:tcPr/>
+                </a:tc>
+                <a:tc>
+                  <a:txBody>
+                    <a:bodyPr/>
+                    <a:lstStyle/>
+                    <a:p>
+                      <a:pPr marL="0" marR="0" lvl="0" indent="0" algn="ctr" defTabSz="914400" rtl="0" eaLnBrk="1" fontAlgn="auto" latinLnBrk="0" hangingPunct="1">
+                        <a:lnSpc>
+                          <a:spcPct val="100000"/>
+                        </a:lnSpc>
+                        <a:spcBef>
+                          <a:spcPts val="0"/>
+                        </a:spcBef>
+                        <a:spcAft>
+                          <a:spcPts val="0"/>
+                        </a:spcAft>
+                        <a:buClrTx/>
+                        <a:buSzTx/>
+                        <a:buFontTx/>
+                        <a:buNone/>
+                        <a:tabLst/>
+                        <a:defRPr/>
+                      </a:pPr>
+                      <a:r>
+                        <a:rPr kumimoji="1" lang="en-US" altLang="ja-JP" dirty="0" smtClean="0"/>
+                        <a:t>Total=</a:t>
+                      </a:r>
+                      <a:r>
+                        <a:rPr kumimoji="1" lang="en-US" altLang="ja-JP" dirty="0" err="1" smtClean="0"/>
+                        <a:t>Total+Cnt</a:t>
+                      </a:r>
+                      <a:endParaRPr kumimoji="1" lang="ja-JP" altLang="en-US" dirty="0" smtClean="0"/>
+                    </a:p>
+                  </a:txBody>
+                  <a:tcPr/>
+                </a:tc>
+                <a:tc>
+                  <a:txBody>
+                    <a:bodyPr/>
+                    <a:lstStyle/>
+                    <a:p>
+                      <a:pPr marL="0" marR="0" lvl="0" indent="0" algn="ctr" defTabSz="914400" rtl="0" eaLnBrk="1" fontAlgn="auto" latinLnBrk="0" hangingPunct="1">
+                        <a:lnSpc>
+                          <a:spcPct val="100000"/>
+                        </a:lnSpc>
+                        <a:spcBef>
+                          <a:spcPts val="0"/>
+                        </a:spcBef>
+                        <a:spcAft>
+                          <a:spcPts val="0"/>
+                        </a:spcAft>
+                        <a:buClrTx/>
+                        <a:buSzTx/>
+                        <a:buFontTx/>
+                        <a:buNone/>
+                        <a:tabLst/>
+                        <a:defRPr/>
+                      </a:pPr>
+                      <a:r>
+                        <a:rPr kumimoji="1" lang="en-US" altLang="ja-JP" dirty="0" smtClean="0"/>
+                        <a:t>CNT=9</a:t>
+                      </a:r>
+                      <a:endParaRPr kumimoji="1" lang="ja-JP" altLang="en-US" dirty="0" smtClean="0"/>
+                    </a:p>
+                  </a:txBody>
+                  <a:tcPr/>
+                </a:tc>
+                <a:tc>
+                  <a:txBody>
+                    <a:bodyPr/>
+                    <a:lstStyle/>
+                    <a:p>
+                      <a:pPr marL="0" marR="0" lvl="0" indent="0" algn="ctr" defTabSz="914400" rtl="0" eaLnBrk="1" fontAlgn="auto" latinLnBrk="0" hangingPunct="1">
+                        <a:lnSpc>
+                          <a:spcPct val="100000"/>
+                        </a:lnSpc>
+                        <a:spcBef>
+                          <a:spcPts val="0"/>
+                        </a:spcBef>
+                        <a:spcAft>
+                          <a:spcPts val="0"/>
+                        </a:spcAft>
+                        <a:buClrTx/>
+                        <a:buSzTx/>
+                        <a:buFontTx/>
+                        <a:buNone/>
+                        <a:tabLst/>
+                        <a:defRPr/>
+                      </a:pPr>
+                      <a:r>
+                        <a:rPr kumimoji="1" lang="en-US" altLang="ja-JP" dirty="0" smtClean="0"/>
+                        <a:t>45</a:t>
+                      </a:r>
+                      <a:endParaRPr kumimoji="1" lang="ja-JP" altLang="en-US" dirty="0" smtClean="0"/>
+                    </a:p>
+                  </a:txBody>
+                  <a:tcPr/>
+                </a:tc>
+                <a:extLst>
+                  <a:ext uri="{0D108BD9-81ED-4DB2-BD59-A6C34878D82A}">
+                    <a16:rowId xmlns:a16="http://schemas.microsoft.com/office/drawing/2014/main" val="3346254141"/>
+                  </a:ext>
+                </a:extLst>
+              </a:tr>
+              <a:tr h="542914">
+                <a:tc>
+                  <a:txBody>
+                    <a:bodyPr/>
+                    <a:lstStyle/>
+                    <a:p>
+                      <a:pPr marL="0" marR="0" lvl="0" indent="0" algn="ctr" defTabSz="914400" rtl="0" eaLnBrk="1" fontAlgn="auto" latinLnBrk="0" hangingPunct="1">
+                        <a:lnSpc>
+                          <a:spcPct val="100000"/>
+                        </a:lnSpc>
+                        <a:spcBef>
+                          <a:spcPts val="0"/>
+                        </a:spcBef>
+                        <a:spcAft>
+                          <a:spcPts val="0"/>
+                        </a:spcAft>
+                        <a:buClrTx/>
+                        <a:buSzTx/>
+                        <a:buFontTx/>
+                        <a:buNone/>
+                        <a:tabLst/>
+                        <a:defRPr/>
+                      </a:pPr>
+                      <a:r>
+                        <a:rPr kumimoji="1" lang="en-US" altLang="ja-JP" dirty="0" smtClean="0"/>
+                        <a:t>11</a:t>
+                      </a:r>
+                      <a:r>
+                        <a:rPr kumimoji="1" lang="ja-JP" altLang="en-US" dirty="0" smtClean="0"/>
+                        <a:t>回目判定</a:t>
+                      </a:r>
+                    </a:p>
+                  </a:txBody>
+                  <a:tcPr/>
+                </a:tc>
+                <a:tc>
+                  <a:txBody>
+                    <a:bodyPr/>
+                    <a:lstStyle/>
+                    <a:p>
+                      <a:pPr algn="ctr"/>
+                      <a:r>
+                        <a:rPr kumimoji="1" lang="en-US" altLang="ja-JP" dirty="0" smtClean="0"/>
+                        <a:t>10</a:t>
+                      </a:r>
+                      <a:r>
+                        <a:rPr kumimoji="1" lang="ja-JP" altLang="en-US" dirty="0" smtClean="0"/>
+                        <a:t>≦</a:t>
+                      </a:r>
+                      <a:r>
+                        <a:rPr kumimoji="1" lang="en-US" altLang="ja-JP" dirty="0" smtClean="0"/>
+                        <a:t>10</a:t>
+                      </a:r>
+                      <a:endParaRPr kumimoji="1" lang="en-US" altLang="ja-JP" dirty="0" smtClean="0"/>
+                    </a:p>
+                  </a:txBody>
+                  <a:tcPr/>
+                </a:tc>
+                <a:tc>
+                  <a:txBody>
+                    <a:bodyPr/>
+                    <a:lstStyle/>
+                    <a:p>
+                      <a:pPr marL="0" marR="0" lvl="0" indent="0" algn="ctr" defTabSz="914400" rtl="0" eaLnBrk="1" fontAlgn="auto" latinLnBrk="0" hangingPunct="1">
+                        <a:lnSpc>
+                          <a:spcPct val="100000"/>
+                        </a:lnSpc>
+                        <a:spcBef>
+                          <a:spcPts val="0"/>
+                        </a:spcBef>
+                        <a:spcAft>
+                          <a:spcPts val="0"/>
+                        </a:spcAft>
+                        <a:buClrTx/>
+                        <a:buSzTx/>
+                        <a:buFontTx/>
+                        <a:buNone/>
+                        <a:tabLst/>
+                        <a:defRPr/>
+                      </a:pPr>
+                      <a:r>
+                        <a:rPr kumimoji="1" lang="en-US" altLang="ja-JP" dirty="0" smtClean="0"/>
+                        <a:t>Total=</a:t>
+                      </a:r>
+                      <a:r>
+                        <a:rPr kumimoji="1" lang="en-US" altLang="ja-JP" dirty="0" err="1" smtClean="0"/>
+                        <a:t>Total+Cnt</a:t>
+                      </a:r>
+                      <a:endParaRPr kumimoji="1" lang="ja-JP" altLang="en-US" dirty="0" smtClean="0"/>
+                    </a:p>
+                  </a:txBody>
+                  <a:tcPr/>
+                </a:tc>
+                <a:tc>
+                  <a:txBody>
+                    <a:bodyPr/>
+                    <a:lstStyle/>
+                    <a:p>
+                      <a:pPr marL="0" marR="0" lvl="0" indent="0" algn="ctr" defTabSz="914400" rtl="0" eaLnBrk="1" fontAlgn="auto" latinLnBrk="0" hangingPunct="1">
+                        <a:lnSpc>
+                          <a:spcPct val="100000"/>
+                        </a:lnSpc>
+                        <a:spcBef>
+                          <a:spcPts val="0"/>
+                        </a:spcBef>
+                        <a:spcAft>
+                          <a:spcPts val="0"/>
+                        </a:spcAft>
+                        <a:buClrTx/>
+                        <a:buSzTx/>
+                        <a:buFontTx/>
+                        <a:buNone/>
+                        <a:tabLst/>
+                        <a:defRPr/>
+                      </a:pPr>
+                      <a:r>
+                        <a:rPr kumimoji="1" lang="en-US" altLang="ja-JP" dirty="0" smtClean="0"/>
+                        <a:t>CNT=10</a:t>
+                      </a:r>
+                      <a:endParaRPr kumimoji="1" lang="ja-JP" altLang="en-US" dirty="0" smtClean="0"/>
+                    </a:p>
+                  </a:txBody>
+                  <a:tcPr/>
+                </a:tc>
+                <a:tc>
+                  <a:txBody>
+                    <a:bodyPr/>
+                    <a:lstStyle/>
+                    <a:p>
+                      <a:pPr marL="0" marR="0" lvl="0" indent="0" algn="ctr" defTabSz="914400" rtl="0" eaLnBrk="1" fontAlgn="auto" latinLnBrk="0" hangingPunct="1">
+                        <a:lnSpc>
+                          <a:spcPct val="100000"/>
+                        </a:lnSpc>
+                        <a:spcBef>
+                          <a:spcPts val="0"/>
+                        </a:spcBef>
+                        <a:spcAft>
+                          <a:spcPts val="0"/>
+                        </a:spcAft>
+                        <a:buClrTx/>
+                        <a:buSzTx/>
+                        <a:buFontTx/>
+                        <a:buNone/>
+                        <a:tabLst/>
+                        <a:defRPr/>
+                      </a:pPr>
+                      <a:r>
+                        <a:rPr kumimoji="1" lang="en-US" altLang="ja-JP" dirty="0" smtClean="0"/>
+                        <a:t>55</a:t>
+                      </a:r>
+                      <a:endParaRPr kumimoji="1" lang="ja-JP" altLang="en-US" dirty="0" smtClean="0"/>
+                    </a:p>
+                  </a:txBody>
+                  <a:tcPr/>
+                </a:tc>
+                <a:extLst>
+                  <a:ext uri="{0D108BD9-81ED-4DB2-BD59-A6C34878D82A}">
+                    <a16:rowId xmlns:a16="http://schemas.microsoft.com/office/drawing/2014/main" val="1818299307"/>
+                  </a:ext>
+                </a:extLst>
+              </a:tr>
+              <a:tr h="1134796">
+                <a:tc>
+                  <a:txBody>
+                    <a:bodyPr/>
+                    <a:lstStyle/>
+                    <a:p>
+                      <a:pPr marL="0" marR="0" lvl="0" indent="0" algn="ctr" defTabSz="914400" rtl="0" eaLnBrk="1" fontAlgn="auto" latinLnBrk="0" hangingPunct="1">
+                        <a:lnSpc>
+                          <a:spcPct val="100000"/>
+                        </a:lnSpc>
+                        <a:spcBef>
+                          <a:spcPts val="0"/>
+                        </a:spcBef>
+                        <a:spcAft>
+                          <a:spcPts val="0"/>
+                        </a:spcAft>
+                        <a:buClrTx/>
+                        <a:buSzTx/>
+                        <a:buFontTx/>
+                        <a:buNone/>
+                        <a:tabLst/>
+                        <a:defRPr/>
+                      </a:pPr>
+                      <a:r>
+                        <a:rPr kumimoji="1" lang="en-US" altLang="ja-JP" dirty="0" smtClean="0"/>
+                        <a:t>12</a:t>
+                      </a:r>
+                      <a:r>
+                        <a:rPr kumimoji="1" lang="ja-JP" altLang="en-US" dirty="0" smtClean="0"/>
+                        <a:t>回目判定</a:t>
+                      </a:r>
+                      <a:endParaRPr kumimoji="1" lang="ja-JP" altLang="en-US" dirty="0" smtClean="0"/>
+                    </a:p>
+                  </a:txBody>
+                  <a:tcPr/>
+                </a:tc>
+                <a:tc>
+                  <a:txBody>
+                    <a:bodyPr/>
+                    <a:lstStyle/>
+                    <a:p>
+                      <a:pPr marL="0" marR="0" lvl="0" indent="0" algn="ctr" defTabSz="914400" rtl="0" eaLnBrk="1" fontAlgn="auto" latinLnBrk="0" hangingPunct="1">
+                        <a:lnSpc>
+                          <a:spcPct val="100000"/>
+                        </a:lnSpc>
+                        <a:spcBef>
+                          <a:spcPts val="0"/>
+                        </a:spcBef>
+                        <a:spcAft>
+                          <a:spcPts val="0"/>
+                        </a:spcAft>
+                        <a:buClrTx/>
+                        <a:buSzTx/>
+                        <a:buFontTx/>
+                        <a:buNone/>
+                        <a:tabLst/>
+                        <a:defRPr/>
+                      </a:pPr>
+                      <a:r>
+                        <a:rPr kumimoji="1" lang="en-US" altLang="ja-JP" dirty="0" smtClean="0"/>
+                        <a:t>11</a:t>
+                      </a:r>
+                      <a:r>
+                        <a:rPr kumimoji="1" lang="ja-JP" altLang="en-US" dirty="0" smtClean="0"/>
+                        <a:t>≦</a:t>
+                      </a:r>
+                      <a:r>
+                        <a:rPr kumimoji="1" lang="en-US" altLang="ja-JP" dirty="0" smtClean="0"/>
+                        <a:t>10</a:t>
+                      </a:r>
+                    </a:p>
+                    <a:p>
+                      <a:pPr marL="0" marR="0" lvl="0" indent="0" algn="ctr" defTabSz="914400" rtl="0" eaLnBrk="1" fontAlgn="auto" latinLnBrk="0" hangingPunct="1">
+                        <a:lnSpc>
+                          <a:spcPct val="100000"/>
+                        </a:lnSpc>
+                        <a:spcBef>
+                          <a:spcPts val="0"/>
+                        </a:spcBef>
+                        <a:spcAft>
+                          <a:spcPts val="0"/>
+                        </a:spcAft>
+                        <a:buClrTx/>
+                        <a:buSzTx/>
+                        <a:buFontTx/>
+                        <a:buNone/>
+                        <a:tabLst/>
+                        <a:defRPr/>
+                      </a:pPr>
+                      <a:r>
+                        <a:rPr kumimoji="1" lang="ja-JP" altLang="en-US" sz="1800" dirty="0" smtClean="0">
+                          <a:solidFill>
+                            <a:srgbClr val="FF0000"/>
+                          </a:solidFill>
+                        </a:rPr>
+                        <a:t>★ここでループを抜ける</a:t>
+                      </a:r>
+                    </a:p>
+                    <a:p>
+                      <a:pPr algn="ctr"/>
+                      <a:endParaRPr kumimoji="1" lang="en-US" altLang="ja-JP" dirty="0" smtClean="0"/>
+                    </a:p>
+                  </a:txBody>
+                  <a:tcPr/>
+                </a:tc>
+                <a:tc>
+                  <a:txBody>
+                    <a:bodyPr/>
+                    <a:lstStyle/>
+                    <a:p>
+                      <a:pPr marL="0" marR="0" lvl="0" indent="0" algn="ctr" defTabSz="914400" rtl="0" eaLnBrk="1" fontAlgn="auto" latinLnBrk="0" hangingPunct="1">
+                        <a:lnSpc>
+                          <a:spcPct val="100000"/>
+                        </a:lnSpc>
+                        <a:spcBef>
+                          <a:spcPts val="0"/>
+                        </a:spcBef>
+                        <a:spcAft>
+                          <a:spcPts val="0"/>
+                        </a:spcAft>
+                        <a:buClrTx/>
+                        <a:buSzTx/>
+                        <a:buFontTx/>
+                        <a:buNone/>
+                        <a:tabLst/>
+                        <a:defRPr/>
+                      </a:pPr>
+                      <a:r>
+                        <a:rPr kumimoji="1" lang="ja-JP" altLang="en-US" dirty="0" smtClean="0"/>
+                        <a:t>なし</a:t>
+                      </a:r>
+                      <a:endParaRPr kumimoji="1" lang="ja-JP" altLang="en-US" dirty="0" smtClean="0"/>
+                    </a:p>
+                  </a:txBody>
+                  <a:tcPr/>
+                </a:tc>
+                <a:tc>
+                  <a:txBody>
+                    <a:bodyPr/>
+                    <a:lstStyle/>
+                    <a:p>
+                      <a:pPr marL="0" marR="0" lvl="0" indent="0" algn="ctr" defTabSz="914400" rtl="0" eaLnBrk="1" fontAlgn="auto" latinLnBrk="0" hangingPunct="1">
+                        <a:lnSpc>
+                          <a:spcPct val="100000"/>
+                        </a:lnSpc>
+                        <a:spcBef>
+                          <a:spcPts val="0"/>
+                        </a:spcBef>
+                        <a:spcAft>
+                          <a:spcPts val="0"/>
+                        </a:spcAft>
+                        <a:buClrTx/>
+                        <a:buSzTx/>
+                        <a:buFontTx/>
+                        <a:buNone/>
+                        <a:tabLst/>
+                        <a:defRPr/>
+                      </a:pPr>
+                      <a:endParaRPr kumimoji="1" lang="ja-JP" altLang="en-US" dirty="0" smtClean="0"/>
+                    </a:p>
+                  </a:txBody>
+                  <a:tcPr/>
+                </a:tc>
+                <a:tc>
+                  <a:txBody>
+                    <a:bodyPr/>
+                    <a:lstStyle/>
+                    <a:p>
+                      <a:pPr marL="0" marR="0" lvl="0" indent="0" algn="ctr" defTabSz="914400" rtl="0" eaLnBrk="1" fontAlgn="auto" latinLnBrk="0" hangingPunct="1">
+                        <a:lnSpc>
+                          <a:spcPct val="100000"/>
+                        </a:lnSpc>
+                        <a:spcBef>
+                          <a:spcPts val="0"/>
+                        </a:spcBef>
+                        <a:spcAft>
+                          <a:spcPts val="0"/>
+                        </a:spcAft>
+                        <a:buClrTx/>
+                        <a:buSzTx/>
+                        <a:buFontTx/>
+                        <a:buNone/>
+                        <a:tabLst/>
+                        <a:defRPr/>
+                      </a:pPr>
+                      <a:r>
+                        <a:rPr kumimoji="1" lang="en-US" altLang="ja-JP" dirty="0" smtClean="0"/>
+                        <a:t>55</a:t>
+                      </a:r>
+                      <a:endParaRPr kumimoji="1" lang="ja-JP" altLang="en-US" dirty="0" smtClean="0"/>
+                    </a:p>
+                  </a:txBody>
+                  <a:tcPr/>
+                </a:tc>
+                <a:extLst>
+                  <a:ext uri="{0D108BD9-81ED-4DB2-BD59-A6C34878D82A}">
+                    <a16:rowId xmlns:a16="http://schemas.microsoft.com/office/drawing/2014/main" val="3538899260"/>
+                  </a:ext>
+                </a:extLst>
+              </a:tr>
+            </a:tbl>
+          </a:graphicData>
+        </a:graphic>
+      </p:graphicFrame>
+    </p:spTree>
+    <p:extLst>
+      <p:ext uri="{BB962C8B-B14F-4D97-AF65-F5344CB8AC3E}">
+        <p14:creationId xmlns:p14="http://schemas.microsoft.com/office/powerpoint/2010/main" val="1422688330"/>
+      </p:ext>
+    </p:extLst>
+  </p:cSld>
+  <p:clrMapOvr>
+    <a:masterClrMapping/>
+  </p:clrMapOvr>
+</p:sld>
+</file>
+
+<file path=ppt/slides/slide13.xml><?xml version="1.0" encoding="utf-8"?>
+<p:sld xmlns:a="http://schemas.openxmlformats.org/drawingml/2006/main" xmlns:r="http://schemas.openxmlformats.org/officeDocument/2006/relationships" xmlns:p="http://schemas.openxmlformats.org/presentationml/2006/main">
+  <p:cSld>
+    <p:spTree>
+      <p:nvGrpSpPr>
+        <p:cNvPr id="1" name=""/>
+        <p:cNvGrpSpPr/>
+        <p:nvPr/>
+      </p:nvGrpSpPr>
+      <p:grpSpPr>
+        <a:xfrm>
+          <a:off x="0" y="0"/>
+          <a:ext cx="0" cy="0"/>
+          <a:chOff x="0" y="0"/>
+          <a:chExt cx="0" cy="0"/>
+        </a:xfrm>
+      </p:grpSpPr>
+      <p:pic>
+        <p:nvPicPr>
+          <p:cNvPr id="2" name="図 1"/>
+          <p:cNvPicPr>
+            <a:picLocks noChangeAspect="1"/>
+          </p:cNvPicPr>
+          <p:nvPr/>
+        </p:nvPicPr>
+        <p:blipFill>
+          <a:blip r:embed="rId2"/>
+          <a:stretch>
+            <a:fillRect/>
+          </a:stretch>
+        </p:blipFill>
+        <p:spPr>
+          <a:xfrm>
+            <a:off x="826260" y="395091"/>
+            <a:ext cx="9854845" cy="5730136"/>
+          </a:xfrm>
+          <a:prstGeom prst="rect">
+            <a:avLst/>
+          </a:prstGeom>
+        </p:spPr>
+      </p:pic>
+    </p:spTree>
+    <p:extLst>
+      <p:ext uri="{BB962C8B-B14F-4D97-AF65-F5344CB8AC3E}">
+        <p14:creationId xmlns:p14="http://schemas.microsoft.com/office/powerpoint/2010/main" val="3738588564"/>
+      </p:ext>
+    </p:extLst>
+  </p:cSld>
+  <p:clrMapOvr>
+    <a:masterClrMapping/>
+  </p:clrMapOvr>
+</p:sld>
+</file>
+
+<file path=ppt/slides/slide14.xml><?xml version="1.0" encoding="utf-8"?>
+<p:sld xmlns:a="http://schemas.openxmlformats.org/drawingml/2006/main" xmlns:r="http://schemas.openxmlformats.org/officeDocument/2006/relationships" xmlns:p="http://schemas.openxmlformats.org/presentationml/2006/main">
+  <p:cSld>
+    <p:spTree>
+      <p:nvGrpSpPr>
+        <p:cNvPr id="1" name=""/>
+        <p:cNvGrpSpPr/>
+        <p:nvPr/>
+      </p:nvGrpSpPr>
+      <p:grpSpPr>
+        <a:xfrm>
+          <a:off x="0" y="0"/>
+          <a:ext cx="0" cy="0"/>
+          <a:chOff x="0" y="0"/>
+          <a:chExt cx="0" cy="0"/>
+        </a:xfrm>
+      </p:grpSpPr>
+      <p:pic>
+        <p:nvPicPr>
+          <p:cNvPr id="2" name="図 1"/>
+          <p:cNvPicPr>
+            <a:picLocks noChangeAspect="1"/>
+          </p:cNvPicPr>
+          <p:nvPr/>
+        </p:nvPicPr>
+        <p:blipFill>
+          <a:blip r:embed="rId2"/>
+          <a:stretch>
+            <a:fillRect/>
+          </a:stretch>
+        </p:blipFill>
+        <p:spPr>
+          <a:xfrm>
+            <a:off x="1865725" y="854901"/>
+            <a:ext cx="7365957" cy="5612158"/>
+          </a:xfrm>
+          <a:prstGeom prst="rect">
+            <a:avLst/>
+          </a:prstGeom>
+        </p:spPr>
+      </p:pic>
+      <p:sp>
+        <p:nvSpPr>
+          <p:cNvPr id="3" name="テキスト ボックス 2"/>
+          <p:cNvSpPr txBox="1"/>
+          <p:nvPr/>
+        </p:nvSpPr>
+        <p:spPr>
+          <a:xfrm>
+            <a:off x="1640909" y="200416"/>
+            <a:ext cx="6530955" cy="523220"/>
+          </a:xfrm>
+          <a:prstGeom prst="rect">
+            <a:avLst/>
+          </a:prstGeom>
+          <a:noFill/>
+        </p:spPr>
+        <p:txBody>
+          <a:bodyPr wrap="none" rtlCol="0">
+            <a:spAutoFit/>
+          </a:bodyPr>
+          <a:lstStyle/>
+          <a:p>
+            <a:r>
+              <a:rPr kumimoji="1" lang="ja-JP" altLang="en-US" sz="2800" dirty="0" smtClean="0"/>
+              <a:t>１から</a:t>
+            </a:r>
+            <a:r>
+              <a:rPr kumimoji="1" lang="en-US" altLang="ja-JP" sz="2800" dirty="0" smtClean="0"/>
+              <a:t>100</a:t>
+            </a:r>
+            <a:r>
+              <a:rPr kumimoji="1" lang="ja-JP" altLang="en-US" sz="2800" dirty="0" smtClean="0"/>
+              <a:t>のうちの偶数の合計を求める</a:t>
+            </a:r>
+            <a:endParaRPr kumimoji="1" lang="ja-JP" altLang="en-US" sz="2800" dirty="0"/>
+          </a:p>
+        </p:txBody>
+      </p:sp>
+    </p:spTree>
+    <p:extLst>
+      <p:ext uri="{BB962C8B-B14F-4D97-AF65-F5344CB8AC3E}">
+        <p14:creationId xmlns:p14="http://schemas.microsoft.com/office/powerpoint/2010/main" val="1472193661"/>
+      </p:ext>
+    </p:extLst>
+  </p:cSld>
+  <p:clrMapOvr>
+    <a:masterClrMapping/>
+  </p:clrMapOvr>
+</p:sld>
+</file>
+
+<file path=ppt/slides/slide15.xml><?xml version="1.0" encoding="utf-8"?>
+<p:sld xmlns:a="http://schemas.openxmlformats.org/drawingml/2006/main" xmlns:r="http://schemas.openxmlformats.org/officeDocument/2006/relationships" xmlns:p="http://schemas.openxmlformats.org/presentationml/2006/main">
+  <p:cSld>
+    <p:spTree>
+      <p:nvGrpSpPr>
+        <p:cNvPr id="1" name=""/>
+        <p:cNvGrpSpPr/>
+        <p:nvPr/>
+      </p:nvGrpSpPr>
+      <p:grpSpPr>
+        <a:xfrm>
+          <a:off x="0" y="0"/>
+          <a:ext cx="0" cy="0"/>
+          <a:chOff x="0" y="0"/>
+          <a:chExt cx="0" cy="0"/>
+        </a:xfrm>
+      </p:grpSpPr>
+      <p:sp>
+        <p:nvSpPr>
+          <p:cNvPr id="2" name="タイトル 1"/>
+          <p:cNvSpPr>
+            <a:spLocks noGrp="1"/>
+          </p:cNvSpPr>
+          <p:nvPr>
+            <p:ph type="title"/>
+          </p:nvPr>
+        </p:nvSpPr>
+        <p:spPr>
+          <a:xfrm>
+            <a:off x="2315944" y="155391"/>
+            <a:ext cx="7641921" cy="1034582"/>
+          </a:xfrm>
+        </p:spPr>
+        <p:txBody>
+          <a:bodyPr>
+            <a:normAutofit fontScale="90000"/>
+          </a:bodyPr>
+          <a:lstStyle/>
+          <a:p>
+            <a:r>
+              <a:rPr kumimoji="1" lang="ja-JP" altLang="en-US" sz="3600" dirty="0" smtClean="0"/>
+              <a:t>引き算の繰り返しで余りを求める</a:t>
+            </a:r>
+            <a:r>
+              <a:rPr kumimoji="1" lang="en-US" altLang="ja-JP" sz="3600" dirty="0" smtClean="0"/>
+              <a:t/>
+            </a:r>
+            <a:br>
+              <a:rPr kumimoji="1" lang="en-US" altLang="ja-JP" sz="3600" dirty="0" smtClean="0"/>
+            </a:br>
+            <a:r>
+              <a:rPr lang="ja-JP" altLang="en-US" sz="3600" dirty="0" smtClean="0"/>
+              <a:t>（負の数は考えない）</a:t>
+            </a:r>
+            <a:endParaRPr kumimoji="1" lang="ja-JP" altLang="en-US" sz="3600" dirty="0"/>
+          </a:p>
+        </p:txBody>
+      </p:sp>
+      <p:pic>
+        <p:nvPicPr>
+          <p:cNvPr id="3" name="図 2"/>
+          <p:cNvPicPr>
+            <a:picLocks noChangeAspect="1"/>
+          </p:cNvPicPr>
+          <p:nvPr/>
+        </p:nvPicPr>
+        <p:blipFill>
+          <a:blip r:embed="rId2"/>
+          <a:stretch>
+            <a:fillRect/>
+          </a:stretch>
+        </p:blipFill>
+        <p:spPr>
+          <a:xfrm>
+            <a:off x="2315944" y="1318115"/>
+            <a:ext cx="6878160" cy="5427151"/>
+          </a:xfrm>
+          <a:prstGeom prst="rect">
+            <a:avLst/>
+          </a:prstGeom>
+        </p:spPr>
+      </p:pic>
+    </p:spTree>
+    <p:extLst>
+      <p:ext uri="{BB962C8B-B14F-4D97-AF65-F5344CB8AC3E}">
+        <p14:creationId xmlns:p14="http://schemas.microsoft.com/office/powerpoint/2010/main" val="410164925"/>
+      </p:ext>
+    </p:extLst>
+  </p:cSld>
+  <p:clrMapOvr>
+    <a:masterClrMapping/>
+  </p:clrMapOvr>
+</p:sld>
+</file>
+
+<file path=ppt/slides/slide16.xml><?xml version="1.0" encoding="utf-8"?>
+<p:sld xmlns:a="http://schemas.openxmlformats.org/drawingml/2006/main" xmlns:r="http://schemas.openxmlformats.org/officeDocument/2006/relationships" xmlns:p="http://schemas.openxmlformats.org/presentationml/2006/main">
+  <p:cSld>
+    <p:spTree>
+      <p:nvGrpSpPr>
+        <p:cNvPr id="1" name=""/>
+        <p:cNvGrpSpPr/>
+        <p:nvPr/>
+      </p:nvGrpSpPr>
+      <p:grpSpPr>
+        <a:xfrm>
+          <a:off x="0" y="0"/>
+          <a:ext cx="0" cy="0"/>
+          <a:chOff x="0" y="0"/>
+          <a:chExt cx="0" cy="0"/>
+        </a:xfrm>
+      </p:grpSpPr>
+      <p:sp>
+        <p:nvSpPr>
+          <p:cNvPr id="2" name="タイトル 1"/>
+          <p:cNvSpPr>
+            <a:spLocks noGrp="1"/>
+          </p:cNvSpPr>
+          <p:nvPr>
+            <p:ph type="title"/>
+          </p:nvPr>
+        </p:nvSpPr>
+        <p:spPr>
+          <a:xfrm>
+            <a:off x="3293301" y="553016"/>
+            <a:ext cx="5725439" cy="1025264"/>
+          </a:xfrm>
+        </p:spPr>
+        <p:txBody>
+          <a:bodyPr/>
+          <a:lstStyle/>
+          <a:p>
+            <a:r>
+              <a:rPr kumimoji="1" lang="ja-JP" altLang="en-US" dirty="0" smtClean="0"/>
+              <a:t>初期化について</a:t>
+            </a:r>
+            <a:endParaRPr kumimoji="1" lang="ja-JP" altLang="en-US" dirty="0"/>
+          </a:p>
+        </p:txBody>
+      </p:sp>
+      <p:sp>
+        <p:nvSpPr>
+          <p:cNvPr id="3" name="テキスト ボックス 2"/>
+          <p:cNvSpPr txBox="1"/>
+          <p:nvPr/>
+        </p:nvSpPr>
+        <p:spPr>
+          <a:xfrm>
+            <a:off x="858903" y="2525908"/>
+            <a:ext cx="10291600" cy="1384995"/>
+          </a:xfrm>
+          <a:prstGeom prst="rect">
+            <a:avLst/>
+          </a:prstGeom>
+          <a:noFill/>
+        </p:spPr>
+        <p:txBody>
+          <a:bodyPr wrap="none" rtlCol="0">
+            <a:spAutoFit/>
+          </a:bodyPr>
+          <a:lstStyle/>
+          <a:p>
+            <a:r>
+              <a:rPr kumimoji="1" lang="ja-JP" altLang="en-US" sz="2800" dirty="0" smtClean="0"/>
+              <a:t>変数の内容は不定（定まっていない）ことが多いので、</a:t>
+            </a:r>
+            <a:endParaRPr kumimoji="1" lang="en-US" altLang="ja-JP" sz="2800" dirty="0" smtClean="0"/>
+          </a:p>
+          <a:p>
+            <a:r>
+              <a:rPr kumimoji="1" lang="ja-JP" altLang="en-US" sz="2800" dirty="0" smtClean="0"/>
+              <a:t>初期化しておくことが必要</a:t>
+            </a:r>
+            <a:endParaRPr lang="en-US" altLang="ja-JP" sz="2800" dirty="0" smtClean="0"/>
+          </a:p>
+          <a:p>
+            <a:r>
+              <a:rPr kumimoji="1" lang="ja-JP" altLang="en-US" sz="2800" dirty="0"/>
+              <a:t>特</a:t>
+            </a:r>
+            <a:r>
+              <a:rPr kumimoji="1" lang="ja-JP" altLang="en-US" sz="2800" dirty="0" smtClean="0"/>
+              <a:t>に、ループ処理の回数（</a:t>
+            </a:r>
+            <a:r>
+              <a:rPr kumimoji="1" lang="en-US" altLang="ja-JP" sz="2800" dirty="0" smtClean="0"/>
+              <a:t>Count)</a:t>
+            </a:r>
+            <a:r>
+              <a:rPr kumimoji="1" lang="ja-JP" altLang="en-US" sz="2800" dirty="0" smtClean="0"/>
+              <a:t>などは初期化することが重要</a:t>
+            </a:r>
+            <a:endParaRPr kumimoji="1" lang="en-US" altLang="ja-JP" sz="2800" dirty="0" smtClean="0"/>
+          </a:p>
+        </p:txBody>
+      </p:sp>
+    </p:spTree>
+    <p:extLst>
+      <p:ext uri="{BB962C8B-B14F-4D97-AF65-F5344CB8AC3E}">
+        <p14:creationId xmlns:p14="http://schemas.microsoft.com/office/powerpoint/2010/main" val="1919175437"/>
       </p:ext>
     </p:extLst>
   </p:cSld>
@@ -3603,11 +6325,7 @@
             </a:r>
             <a:r>
               <a:rPr lang="ja-JP" altLang="en-US" dirty="0" smtClean="0"/>
-              <a:t>未満の場合に、</a:t>
-            </a:r>
-            <a:r>
-              <a:rPr lang="ja-JP" altLang="en-US" dirty="0" smtClean="0"/>
-              <a:t>繰り返し</a:t>
+              <a:t>未満の場合に、繰り返し</a:t>
             </a:r>
             <a:r>
               <a:rPr lang="ja-JP" altLang="en-US" dirty="0"/>
@@ -3615,11 +6333,7 @@
             </a:r>
             <a:r>
               <a:rPr lang="ja-JP" altLang="en-US" dirty="0" smtClean="0"/>
-              <a:t>を</a:t>
-            </a:r>
-            <a:r>
-              <a:rPr lang="ja-JP" altLang="en-US" dirty="0" smtClean="0"/>
-              <a:t>行うプログラムを動かしてみます。</a:t>
+              <a:t>を行うプログラムを動かしてみます。</a:t>
             </a:r>
             <a:endParaRPr lang="en-US" altLang="ja-JP" dirty="0" smtClean="0"/>
           </a:p>
@@ -3741,8 +6455,8 @@
         </p:nvSpPr>
         <p:spPr>
           <a:xfrm>
-            <a:off x="1885927" y="1808418"/>
-            <a:ext cx="646331" cy="276999"/>
+            <a:off x="1773192" y="1695975"/>
+            <a:ext cx="1107996" cy="461665"/>
           </a:xfrm>
           <a:prstGeom prst="rect">
             <a:avLst/>
@@ -3756,14 +6470,14 @@
           <a:lstStyle/>
           <a:p>
             <a:r>
-              <a:rPr kumimoji="1" lang="ja-JP" altLang="en-US" sz="1200" b="1" dirty="0" smtClean="0">
+              <a:rPr kumimoji="1" lang="ja-JP" altLang="en-US" sz="2400" b="1" dirty="0" smtClean="0">
                 <a:solidFill>
                   <a:srgbClr val="FF0000"/>
                 </a:solidFill>
               </a:rPr>
               <a:t>初期化</a:t>
             </a:r>
-            <a:endParaRPr kumimoji="1" lang="ja-JP" altLang="en-US" sz="1200" b="1" dirty="0">
+            <a:endParaRPr kumimoji="1" lang="ja-JP" altLang="en-US" sz="2400" b="1" dirty="0">
               <a:solidFill>
                 <a:srgbClr val="FF0000"/>
               </a:solidFill>
@@ -3779,8 +6493,8 @@
         </p:nvSpPr>
         <p:spPr>
           <a:xfrm>
-            <a:off x="2209092" y="2157640"/>
-            <a:ext cx="4693914" cy="276999"/>
+            <a:off x="2998526" y="1995882"/>
+            <a:ext cx="5509842" cy="1200329"/>
           </a:xfrm>
           <a:prstGeom prst="rect">
             <a:avLst/>
@@ -3794,15 +6508,30 @@
           <a:lstStyle/>
           <a:p>
             <a:r>
-              <a:rPr lang="ja-JP" altLang="en-US" sz="1200" b="1" dirty="0" smtClean="0">
+              <a:rPr lang="ja-JP" altLang="en-US" sz="2400" b="1" dirty="0" smtClean="0">
                 <a:solidFill>
                   <a:srgbClr val="FF0000"/>
                 </a:solidFill>
               </a:rPr>
-              <a:t>ループ処理　（</a:t>
-            </a:r>
-            <a:r>
-              <a:rPr lang="en-US" altLang="ja-JP" sz="1200" b="1" dirty="0" smtClean="0">
+              <a:t>ループ処理　</a:t>
+            </a:r>
+            <a:endParaRPr lang="en-US" altLang="ja-JP" sz="2400" b="1" dirty="0" smtClean="0">
+              <a:solidFill>
+                <a:srgbClr val="FF0000"/>
+              </a:solidFill>
+            </a:endParaRPr>
+          </a:p>
+          <a:p>
+            <a:r>
+              <a:rPr lang="ja-JP" altLang="en-US" sz="2400" b="1" dirty="0" smtClean="0">
+                <a:solidFill>
+                  <a:srgbClr val="FF0000"/>
+                </a:solidFill>
+              </a:rPr>
+              <a:t>（</a:t>
+            </a:r>
+            <a:r>
+              <a:rPr lang="en-US" altLang="ja-JP" sz="2400" b="1" dirty="0" smtClean="0">
                 <a:solidFill>
                   <a:srgbClr val="FF0000"/>
                 </a:solidFill>
@@ -3810,7 +6539,7 @@
               <a:t>CNT</a:t>
             </a:r>
             <a:r>
-              <a:rPr lang="ja-JP" altLang="en-US" sz="1200" b="1" dirty="0" smtClean="0">
+              <a:rPr lang="ja-JP" altLang="en-US" sz="2400" b="1" dirty="0" smtClean="0">
                 <a:solidFill>
                   <a:srgbClr val="FF0000"/>
                 </a:solidFill>
@@ -3818,7 +6547,7 @@
               <a:t>が</a:t>
             </a:r>
             <a:r>
-              <a:rPr lang="en-US" altLang="ja-JP" sz="1200" b="1" dirty="0" smtClean="0">
+              <a:rPr lang="en-US" altLang="ja-JP" sz="2400" b="1" dirty="0" smtClean="0">
                 <a:solidFill>
                   <a:srgbClr val="FF0000"/>
                 </a:solidFill>
@@ -3826,14 +6555,37 @@
               <a:t>10</a:t>
             </a:r>
             <a:r>
-              <a:rPr lang="ja-JP" altLang="en-US" sz="1200" b="1" dirty="0" smtClean="0">
+              <a:rPr lang="ja-JP" altLang="en-US" sz="2400" b="1" dirty="0" smtClean="0">
                 <a:solidFill>
                   <a:srgbClr val="FF0000"/>
                 </a:solidFill>
               </a:rPr>
-              <a:t>未満の場合に繰り返す）　前判定となる</a:t>
-            </a:r>
-            <a:endParaRPr lang="en-US" altLang="ja-JP" sz="1200" b="1" dirty="0" smtClean="0">
+              <a:t>未満の場合に繰り返す）　</a:t>
+            </a:r>
+            <a:endParaRPr lang="en-US" altLang="ja-JP" sz="2400" b="1" dirty="0" smtClean="0">
+              <a:solidFill>
+                <a:srgbClr val="FF0000"/>
+              </a:solidFill>
+            </a:endParaRPr>
+          </a:p>
+          <a:p>
+            <a:r>
+              <a:rPr lang="ja-JP" altLang="en-US" sz="2400" b="1" dirty="0" smtClean="0">
+                <a:solidFill>
+                  <a:srgbClr val="FF0000"/>
+                </a:solidFill>
+              </a:rPr>
+              <a:t>前判定</a:t>
+            </a:r>
+            <a:r>
+              <a:rPr lang="ja-JP" altLang="en-US" sz="2400" b="1" dirty="0" smtClean="0">
+                <a:solidFill>
+                  <a:srgbClr val="FF0000"/>
+                </a:solidFill>
+              </a:rPr>
+              <a:t>となる</a:t>
+            </a:r>
+            <a:endParaRPr lang="en-US" altLang="ja-JP" sz="2400" b="1" dirty="0" smtClean="0">
               <a:solidFill>
                 <a:srgbClr val="FF0000"/>
               </a:solidFill>
@@ -3895,11 +6647,7 @@
           <a:p>
             <a:r>
               <a:rPr lang="ja-JP" altLang="en-US" sz="3600" dirty="0" smtClean="0"/>
-              <a:t>プログラムの宣言部と処理部 変数の</a:t>
-            </a:r>
-            <a:r>
-              <a:rPr lang="ja-JP" altLang="en-US" sz="3600" dirty="0" smtClean="0"/>
-              <a:t>流れ（前判定）</a:t>
+              <a:t>プログラムの宣言部と処理部 変数の流れ（前判定）</a:t>
             </a:r>
             <a:endParaRPr kumimoji="1" lang="ja-JP" altLang="en-US" sz="3600" dirty="0"/>
           </a:p>
@@ -5989,7 +8737,7 @@
         <p:spPr>
           <a:xfrm>
             <a:off x="1528176" y="563672"/>
-            <a:ext cx="2815194" cy="369332"/>
+            <a:ext cx="4278735" cy="523220"/>
           </a:xfrm>
           <a:prstGeom prst="rect">
             <a:avLst/>
@@ -6003,18 +8751,18 @@
           <a:lstStyle/>
           <a:p>
             <a:r>
-              <a:rPr kumimoji="1" lang="ja-JP" altLang="en-US" dirty="0" smtClean="0"/>
+              <a:rPr kumimoji="1" lang="ja-JP" altLang="en-US" sz="2800" dirty="0" smtClean="0"/>
               <a:t>教科書 </a:t>
             </a:r>
             <a:r>
-              <a:rPr kumimoji="1" lang="en-US" altLang="ja-JP" dirty="0" smtClean="0"/>
+              <a:rPr kumimoji="1" lang="en-US" altLang="ja-JP" sz="2800" dirty="0" smtClean="0"/>
               <a:t>29</a:t>
             </a:r>
             <a:r>
-              <a:rPr kumimoji="1" lang="ja-JP" altLang="en-US" dirty="0" smtClean="0"/>
+              <a:rPr kumimoji="1" lang="ja-JP" altLang="en-US" sz="2800" dirty="0" smtClean="0"/>
               <a:t>ページの解答例</a:t>
             </a:r>
-            <a:endParaRPr kumimoji="1" lang="ja-JP" altLang="en-US" dirty="0"/>
+            <a:endParaRPr kumimoji="1" lang="ja-JP" altLang="en-US" sz="2800" dirty="0"/>
           </a:p>
         </p:txBody>
       </p:sp>

--- a/docs/第4回繰り返し処理.pptx
+++ b/docs/第4回繰り返し処理.pptx
@@ -258,7 +258,7 @@
           <a:p>
             <a:fld id="{BC217E9B-DFCD-4DFE-B7ED-A5F6001EB7CB}" type="datetimeFigureOut">
               <a:rPr kumimoji="1" lang="ja-JP" altLang="en-US" smtClean="0"/>
-              <a:t>2019/4/6</a:t>
+              <a:t>2019/4/23</a:t>
             </a:fld>
             <a:endParaRPr kumimoji="1" lang="ja-JP" altLang="en-US"/>
           </a:p>
@@ -460,7 +460,7 @@
           <a:p>
             <a:fld id="{BC217E9B-DFCD-4DFE-B7ED-A5F6001EB7CB}" type="datetimeFigureOut">
               <a:rPr kumimoji="1" lang="ja-JP" altLang="en-US" smtClean="0"/>
-              <a:t>2019/4/6</a:t>
+              <a:t>2019/4/23</a:t>
             </a:fld>
             <a:endParaRPr kumimoji="1" lang="ja-JP" altLang="en-US"/>
           </a:p>
@@ -672,7 +672,7 @@
           <a:p>
             <a:fld id="{BC217E9B-DFCD-4DFE-B7ED-A5F6001EB7CB}" type="datetimeFigureOut">
               <a:rPr kumimoji="1" lang="ja-JP" altLang="en-US" smtClean="0"/>
-              <a:t>2019/4/6</a:t>
+              <a:t>2019/4/23</a:t>
             </a:fld>
             <a:endParaRPr kumimoji="1" lang="ja-JP" altLang="en-US"/>
           </a:p>
@@ -874,7 +874,7 @@
           <a:p>
             <a:fld id="{BC217E9B-DFCD-4DFE-B7ED-A5F6001EB7CB}" type="datetimeFigureOut">
               <a:rPr kumimoji="1" lang="ja-JP" altLang="en-US" smtClean="0"/>
-              <a:t>2019/4/6</a:t>
+              <a:t>2019/4/23</a:t>
             </a:fld>
             <a:endParaRPr kumimoji="1" lang="ja-JP" altLang="en-US"/>
           </a:p>
@@ -1120,7 +1120,7 @@
           <a:p>
             <a:fld id="{BC217E9B-DFCD-4DFE-B7ED-A5F6001EB7CB}" type="datetimeFigureOut">
               <a:rPr kumimoji="1" lang="ja-JP" altLang="en-US" smtClean="0"/>
-              <a:t>2019/4/6</a:t>
+              <a:t>2019/4/23</a:t>
             </a:fld>
             <a:endParaRPr kumimoji="1" lang="ja-JP" altLang="en-US"/>
           </a:p>
@@ -1416,7 +1416,7 @@
           <a:p>
             <a:fld id="{BC217E9B-DFCD-4DFE-B7ED-A5F6001EB7CB}" type="datetimeFigureOut">
               <a:rPr kumimoji="1" lang="ja-JP" altLang="en-US" smtClean="0"/>
-              <a:t>2019/4/6</a:t>
+              <a:t>2019/4/23</a:t>
             </a:fld>
             <a:endParaRPr kumimoji="1" lang="ja-JP" altLang="en-US"/>
           </a:p>
@@ -1847,7 +1847,7 @@
           <a:p>
             <a:fld id="{BC217E9B-DFCD-4DFE-B7ED-A5F6001EB7CB}" type="datetimeFigureOut">
               <a:rPr kumimoji="1" lang="ja-JP" altLang="en-US" smtClean="0"/>
-              <a:t>2019/4/6</a:t>
+              <a:t>2019/4/23</a:t>
             </a:fld>
             <a:endParaRPr kumimoji="1" lang="ja-JP" altLang="en-US"/>
           </a:p>
@@ -1965,7 +1965,7 @@
           <a:p>
             <a:fld id="{BC217E9B-DFCD-4DFE-B7ED-A5F6001EB7CB}" type="datetimeFigureOut">
               <a:rPr kumimoji="1" lang="ja-JP" altLang="en-US" smtClean="0"/>
-              <a:t>2019/4/6</a:t>
+              <a:t>2019/4/23</a:t>
             </a:fld>
             <a:endParaRPr kumimoji="1" lang="ja-JP" altLang="en-US"/>
           </a:p>
@@ -2060,7 +2060,7 @@
           <a:p>
             <a:fld id="{BC217E9B-DFCD-4DFE-B7ED-A5F6001EB7CB}" type="datetimeFigureOut">
               <a:rPr kumimoji="1" lang="ja-JP" altLang="en-US" smtClean="0"/>
-              <a:t>2019/4/6</a:t>
+              <a:t>2019/4/23</a:t>
             </a:fld>
             <a:endParaRPr kumimoji="1" lang="ja-JP" altLang="en-US"/>
           </a:p>
@@ -2369,7 +2369,7 @@
           <a:p>
             <a:fld id="{BC217E9B-DFCD-4DFE-B7ED-A5F6001EB7CB}" type="datetimeFigureOut">
               <a:rPr kumimoji="1" lang="ja-JP" altLang="en-US" smtClean="0"/>
-              <a:t>2019/4/6</a:t>
+              <a:t>2019/4/23</a:t>
             </a:fld>
             <a:endParaRPr kumimoji="1" lang="ja-JP" altLang="en-US"/>
           </a:p>
@@ -2622,7 +2622,7 @@
           <a:p>
             <a:fld id="{BC217E9B-DFCD-4DFE-B7ED-A5F6001EB7CB}" type="datetimeFigureOut">
               <a:rPr kumimoji="1" lang="ja-JP" altLang="en-US" smtClean="0"/>
-              <a:t>2019/4/6</a:t>
+              <a:t>2019/4/23</a:t>
             </a:fld>
             <a:endParaRPr kumimoji="1" lang="ja-JP" altLang="en-US"/>
           </a:p>
@@ -2867,7 +2867,7 @@
           <a:p>
             <a:fld id="{BC217E9B-DFCD-4DFE-B7ED-A5F6001EB7CB}" type="datetimeFigureOut">
               <a:rPr kumimoji="1" lang="ja-JP" altLang="en-US" smtClean="0"/>
-              <a:t>2019/4/6</a:t>
+              <a:t>2019/4/23</a:t>
             </a:fld>
             <a:endParaRPr kumimoji="1" lang="ja-JP" altLang="en-US"/>
           </a:p>
@@ -3684,11 +3684,7 @@
           <a:p>
             <a:r>
               <a:rPr lang="ja-JP" altLang="en-US" sz="3600" dirty="0" smtClean="0"/>
-              <a:t>プログラムの宣言部と処理部 変数の</a:t>
-            </a:r>
-            <a:r>
-              <a:rPr lang="ja-JP" altLang="en-US" sz="3600" dirty="0" smtClean="0"/>
-              <a:t>流れ</a:t>
+              <a:t>プログラムの宣言部と処理部 変数の流れ</a:t>
             </a:r>
             <a:endParaRPr kumimoji="1" lang="ja-JP" altLang="en-US" sz="3600" dirty="0"/>
           </a:p>
@@ -5441,7 +5437,6 @@
                         <a:rPr kumimoji="1" lang="en-US" altLang="ja-JP" dirty="0" smtClean="0"/>
                         <a:t>10</a:t>
                       </a:r>
-                      <a:endParaRPr kumimoji="1" lang="en-US" altLang="ja-JP" dirty="0" smtClean="0"/>
                     </a:p>
                   </a:txBody>
                   <a:tcPr/>
@@ -5580,7 +5575,6 @@
                         <a:rPr kumimoji="1" lang="ja-JP" altLang="en-US" dirty="0" smtClean="0"/>
                         <a:t>回目判定</a:t>
                       </a:r>
-                      <a:endParaRPr kumimoji="1" lang="ja-JP" altLang="en-US" dirty="0" smtClean="0"/>
                     </a:p>
                   </a:txBody>
                   <a:tcPr/>
@@ -5680,7 +5674,6 @@
                         <a:rPr kumimoji="1" lang="ja-JP" altLang="en-US" dirty="0" smtClean="0"/>
                         <a:t>なし</a:t>
                       </a:r>
-                      <a:endParaRPr kumimoji="1" lang="ja-JP" altLang="en-US" dirty="0" smtClean="0"/>
                     </a:p>
                   </a:txBody>
                   <a:tcPr/>
@@ -6170,7 +6163,7 @@
         <p:spPr>
           <a:xfrm>
             <a:off x="1615858" y="1791222"/>
-            <a:ext cx="7109639" cy="646331"/>
+            <a:ext cx="9619989" cy="1754326"/>
           </a:xfrm>
           <a:prstGeom prst="rect">
             <a:avLst/>
@@ -6178,18 +6171,40 @@
           <a:noFill/>
         </p:spPr>
         <p:txBody>
-          <a:bodyPr wrap="none" rtlCol="0">
+          <a:bodyPr wrap="square" rtlCol="0">
             <a:spAutoFit/>
           </a:bodyPr>
           <a:lstStyle/>
           <a:p>
             <a:r>
               <a:rPr kumimoji="1" lang="ja-JP" altLang="en-US" sz="3600" dirty="0" smtClean="0"/>
+              <a:t>・前回の復習（条件分岐 </a:t>
+            </a:r>
+            <a:r>
+              <a:rPr lang="ja-JP" altLang="en-US" sz="3600" dirty="0" smtClean="0"/>
+              <a:t>おさらいドリル）</a:t>
+            </a:r>
+            <a:endParaRPr kumimoji="1" lang="en-US" altLang="ja-JP" sz="3600" dirty="0" smtClean="0"/>
+          </a:p>
+          <a:p>
+            <a:r>
+              <a:rPr kumimoji="1" lang="ja-JP" altLang="en-US" sz="3600" dirty="0" smtClean="0"/>
               <a:t>・</a:t>
             </a:r>
             <a:r>
               <a:rPr lang="ja-JP" altLang="en-US" sz="3600" dirty="0" smtClean="0"/>
-              <a:t>基本制御構造その２　繰り返し</a:t>
+              <a:t>基本制御構造その２　</a:t>
+            </a:r>
+            <a:r>
+              <a:rPr lang="ja-JP" altLang="en-US" sz="3600" dirty="0" smtClean="0"/>
+              <a:t>繰り返し</a:t>
+            </a:r>
+            <a:endParaRPr lang="en-US" altLang="ja-JP" sz="3600" dirty="0" smtClean="0"/>
+          </a:p>
+          <a:p>
+            <a:r>
+              <a:rPr kumimoji="1" lang="ja-JP" altLang="en-US" sz="3600" dirty="0" smtClean="0"/>
+              <a:t>・くりかえしのドリル</a:t>
             </a:r>
             <a:endParaRPr kumimoji="1" lang="en-US" altLang="ja-JP" sz="3600" dirty="0" smtClean="0"/>
           </a:p>
@@ -6575,15 +6590,7 @@
                   <a:srgbClr val="FF0000"/>
                 </a:solidFill>
               </a:rPr>
-              <a:t>前判定</a:t>
-            </a:r>
-            <a:r>
-              <a:rPr lang="ja-JP" altLang="en-US" sz="2400" b="1" dirty="0" smtClean="0">
-                <a:solidFill>
-                  <a:srgbClr val="FF0000"/>
-                </a:solidFill>
-              </a:rPr>
-              <a:t>となる</a:t>
+              <a:t>前判定となる</a:t>
             </a:r>
             <a:endParaRPr lang="en-US" altLang="ja-JP" sz="2400" b="1" dirty="0" smtClean="0">
               <a:solidFill>
@@ -8645,8 +8652,8 @@
         </p:nvSpPr>
         <p:spPr>
           <a:xfrm>
-            <a:off x="4170125" y="2807701"/>
-            <a:ext cx="3871586" cy="824847"/>
+            <a:off x="3644032" y="3045696"/>
+            <a:ext cx="5424812" cy="737165"/>
           </a:xfrm>
         </p:spPr>
         <p:txBody>
@@ -8661,7 +8668,11 @@
             </a:r>
             <a:r>
               <a:rPr lang="en-US" altLang="ja-JP" dirty="0" smtClean="0"/>
-              <a:t>Training</a:t>
+              <a:t>Training 1-3</a:t>
+            </a:r>
+            <a:r>
+              <a:rPr lang="en-US" altLang="ja-JP" dirty="0" smtClean="0"/>
+              <a:t/>
             </a:r>
             <a:br>
               <a:rPr lang="en-US" altLang="ja-JP" dirty="0" smtClean="0"/>
